--- a/Homeaway Data/HomeAway Hackathon Final.pptx
+++ b/Homeaway Data/HomeAway Hackathon Final.pptx
@@ -242,10 +242,6 @@
     </p:ext>
   </p:extLst>
 </p:presentation>
-</file>
-
-<file path=ppt/revisionInfo.xml><?xml version="1.0" encoding="utf-8"?>
-<p1510:revInfo xmlns:a="http://schemas.openxmlformats.org/drawingml/2006/main" xmlns:r="http://schemas.openxmlformats.org/officeDocument/2006/relationships" xmlns:p1510="http://schemas.microsoft.com/office/powerpoint/2015/10/main"/>
 </file>
 
 <file path=ppt/notesMasters/notesMaster1.xml><?xml version="1.0" encoding="utf-8"?>
@@ -3751,6 +3747,42 @@
           </a:p>
         </p:txBody>
       </p:sp>
+      <p:pic>
+        <p:nvPicPr>
+          <p:cNvPr id="5" name="Graphic 4" descr="Map compass">
+            <a:extLst>
+              <a:ext uri="{FF2B5EF4-FFF2-40B4-BE49-F238E27FC236}">
+                <a16:creationId xmlns:a16="http://schemas.microsoft.com/office/drawing/2014/main" id="{9827A155-FA9B-4D57-927B-7A758B795035}"/>
+              </a:ext>
+            </a:extLst>
+          </p:cNvPr>
+          <p:cNvPicPr>
+            <a:picLocks noChangeAspect="1"/>
+          </p:cNvPicPr>
+          <p:nvPr/>
+        </p:nvPicPr>
+        <p:blipFill>
+          <a:blip r:embed="rId2">
+            <a:extLst>
+              <a:ext uri="{96DAC541-7B7A-43D3-8B79-37D633B846F1}">
+                <asvg:svgBlip xmlns:asvg="http://schemas.microsoft.com/office/drawing/2016/SVG/main" r:embed="rId3"/>
+              </a:ext>
+            </a:extLst>
+          </a:blip>
+          <a:stretch>
+            <a:fillRect/>
+          </a:stretch>
+        </p:blipFill>
+        <p:spPr>
+          <a:xfrm>
+            <a:off x="1043352" y="3311996"/>
+            <a:ext cx="712030" cy="725379"/>
+          </a:xfrm>
+          <a:prstGeom prst="rect">
+            <a:avLst/>
+          </a:prstGeom>
+        </p:spPr>
+      </p:pic>
     </p:spTree>
     <p:extLst>
       <p:ext uri="{BB962C8B-B14F-4D97-AF65-F5344CB8AC3E}">
@@ -4777,1682 +4809,18 @@
             </a:pPr>
             <a:r>
               <a:rPr lang="en-US" dirty="0"/>
-              <a:t>HomeAway Explore brings finding the perfect rental getaway to users in an all new addictive swiping experience</a:t>
+              <a:t>HomeAway Explore brings discovering the perfect rental getaway to users in an all new addictive swiping experience</a:t>
             </a:r>
             <a:endParaRPr lang="en" dirty="0"/>
           </a:p>
         </p:txBody>
       </p:sp>
-      <p:grpSp>
-        <p:nvGrpSpPr>
-          <p:cNvPr id="335" name="Shape 335"/>
-          <p:cNvGrpSpPr/>
-          <p:nvPr/>
-        </p:nvGrpSpPr>
-        <p:grpSpPr>
-          <a:xfrm>
-            <a:off x="889983" y="1007707"/>
-            <a:ext cx="270225" cy="238343"/>
-            <a:chOff x="5247525" y="3007275"/>
-            <a:chExt cx="517575" cy="456510"/>
-          </a:xfrm>
-          <a:solidFill>
-            <a:schemeClr val="bg1"/>
-          </a:solidFill>
-        </p:grpSpPr>
-        <p:sp>
-          <p:nvSpPr>
-            <p:cNvPr id="336" name="Shape 336"/>
-            <p:cNvSpPr/>
-            <p:nvPr/>
-          </p:nvSpPr>
-          <p:spPr>
-            <a:xfrm>
-              <a:off x="5247525" y="3007275"/>
-              <a:ext cx="348900" cy="348900"/>
-            </a:xfrm>
-            <a:custGeom>
-              <a:avLst/>
-              <a:gdLst/>
-              <a:ahLst/>
-              <a:cxnLst/>
-              <a:rect l="0" t="0" r="0" b="0"/>
-              <a:pathLst>
-                <a:path w="13956" h="13956" fill="none" extrusionOk="0">
-                  <a:moveTo>
-                    <a:pt x="13323" y="5772"/>
-                  </a:moveTo>
-                  <a:lnTo>
-                    <a:pt x="11861" y="5626"/>
-                  </a:lnTo>
-                  <a:lnTo>
-                    <a:pt x="11861" y="5626"/>
-                  </a:lnTo>
-                  <a:lnTo>
-                    <a:pt x="11788" y="5334"/>
-                  </a:lnTo>
-                  <a:lnTo>
-                    <a:pt x="11667" y="5042"/>
-                  </a:lnTo>
-                  <a:lnTo>
-                    <a:pt x="11545" y="4750"/>
-                  </a:lnTo>
-                  <a:lnTo>
-                    <a:pt x="11399" y="4482"/>
-                  </a:lnTo>
-                  <a:lnTo>
-                    <a:pt x="12300" y="3337"/>
-                  </a:lnTo>
-                  <a:lnTo>
-                    <a:pt x="12300" y="3337"/>
-                  </a:lnTo>
-                  <a:lnTo>
-                    <a:pt x="12373" y="3240"/>
-                  </a:lnTo>
-                  <a:lnTo>
-                    <a:pt x="12422" y="3118"/>
-                  </a:lnTo>
-                  <a:lnTo>
-                    <a:pt x="12446" y="2996"/>
-                  </a:lnTo>
-                  <a:lnTo>
-                    <a:pt x="12446" y="2850"/>
-                  </a:lnTo>
-                  <a:lnTo>
-                    <a:pt x="12422" y="2728"/>
-                  </a:lnTo>
-                  <a:lnTo>
-                    <a:pt x="12397" y="2606"/>
-                  </a:lnTo>
-                  <a:lnTo>
-                    <a:pt x="12324" y="2485"/>
-                  </a:lnTo>
-                  <a:lnTo>
-                    <a:pt x="12251" y="2387"/>
-                  </a:lnTo>
-                  <a:lnTo>
-                    <a:pt x="11569" y="1705"/>
-                  </a:lnTo>
-                  <a:lnTo>
-                    <a:pt x="11569" y="1705"/>
-                  </a:lnTo>
-                  <a:lnTo>
-                    <a:pt x="11472" y="1632"/>
-                  </a:lnTo>
-                  <a:lnTo>
-                    <a:pt x="11350" y="1559"/>
-                  </a:lnTo>
-                  <a:lnTo>
-                    <a:pt x="11228" y="1510"/>
-                  </a:lnTo>
-                  <a:lnTo>
-                    <a:pt x="11106" y="1510"/>
-                  </a:lnTo>
-                  <a:lnTo>
-                    <a:pt x="10960" y="1510"/>
-                  </a:lnTo>
-                  <a:lnTo>
-                    <a:pt x="10838" y="1535"/>
-                  </a:lnTo>
-                  <a:lnTo>
-                    <a:pt x="10717" y="1583"/>
-                  </a:lnTo>
-                  <a:lnTo>
-                    <a:pt x="10619" y="1656"/>
-                  </a:lnTo>
-                  <a:lnTo>
-                    <a:pt x="9475" y="2558"/>
-                  </a:lnTo>
-                  <a:lnTo>
-                    <a:pt x="9475" y="2558"/>
-                  </a:lnTo>
-                  <a:lnTo>
-                    <a:pt x="9207" y="2411"/>
-                  </a:lnTo>
-                  <a:lnTo>
-                    <a:pt x="8914" y="2290"/>
-                  </a:lnTo>
-                  <a:lnTo>
-                    <a:pt x="8622" y="2168"/>
-                  </a:lnTo>
-                  <a:lnTo>
-                    <a:pt x="8330" y="2070"/>
-                  </a:lnTo>
-                  <a:lnTo>
-                    <a:pt x="8159" y="634"/>
-                  </a:lnTo>
-                  <a:lnTo>
-                    <a:pt x="8159" y="634"/>
-                  </a:lnTo>
-                  <a:lnTo>
-                    <a:pt x="8135" y="512"/>
-                  </a:lnTo>
-                  <a:lnTo>
-                    <a:pt x="8086" y="390"/>
-                  </a:lnTo>
-                  <a:lnTo>
-                    <a:pt x="8013" y="293"/>
-                  </a:lnTo>
-                  <a:lnTo>
-                    <a:pt x="7940" y="195"/>
-                  </a:lnTo>
-                  <a:lnTo>
-                    <a:pt x="7818" y="122"/>
-                  </a:lnTo>
-                  <a:lnTo>
-                    <a:pt x="7721" y="49"/>
-                  </a:lnTo>
-                  <a:lnTo>
-                    <a:pt x="7575" y="25"/>
-                  </a:lnTo>
-                  <a:lnTo>
-                    <a:pt x="7453" y="0"/>
-                  </a:lnTo>
-                  <a:lnTo>
-                    <a:pt x="6479" y="0"/>
-                  </a:lnTo>
-                  <a:lnTo>
-                    <a:pt x="6479" y="0"/>
-                  </a:lnTo>
-                  <a:lnTo>
-                    <a:pt x="6357" y="25"/>
-                  </a:lnTo>
-                  <a:lnTo>
-                    <a:pt x="6235" y="49"/>
-                  </a:lnTo>
-                  <a:lnTo>
-                    <a:pt x="6114" y="122"/>
-                  </a:lnTo>
-                  <a:lnTo>
-                    <a:pt x="6016" y="195"/>
-                  </a:lnTo>
-                  <a:lnTo>
-                    <a:pt x="5919" y="293"/>
-                  </a:lnTo>
-                  <a:lnTo>
-                    <a:pt x="5846" y="390"/>
-                  </a:lnTo>
-                  <a:lnTo>
-                    <a:pt x="5797" y="512"/>
-                  </a:lnTo>
-                  <a:lnTo>
-                    <a:pt x="5773" y="634"/>
-                  </a:lnTo>
-                  <a:lnTo>
-                    <a:pt x="5602" y="2070"/>
-                  </a:lnTo>
-                  <a:lnTo>
-                    <a:pt x="5602" y="2070"/>
-                  </a:lnTo>
-                  <a:lnTo>
-                    <a:pt x="5310" y="2168"/>
-                  </a:lnTo>
-                  <a:lnTo>
-                    <a:pt x="5018" y="2290"/>
-                  </a:lnTo>
-                  <a:lnTo>
-                    <a:pt x="4750" y="2411"/>
-                  </a:lnTo>
-                  <a:lnTo>
-                    <a:pt x="4482" y="2558"/>
-                  </a:lnTo>
-                  <a:lnTo>
-                    <a:pt x="3337" y="1656"/>
-                  </a:lnTo>
-                  <a:lnTo>
-                    <a:pt x="3337" y="1656"/>
-                  </a:lnTo>
-                  <a:lnTo>
-                    <a:pt x="3215" y="1583"/>
-                  </a:lnTo>
-                  <a:lnTo>
-                    <a:pt x="3094" y="1535"/>
-                  </a:lnTo>
-                  <a:lnTo>
-                    <a:pt x="2972" y="1510"/>
-                  </a:lnTo>
-                  <a:lnTo>
-                    <a:pt x="2850" y="1510"/>
-                  </a:lnTo>
-                  <a:lnTo>
-                    <a:pt x="2728" y="1510"/>
-                  </a:lnTo>
-                  <a:lnTo>
-                    <a:pt x="2582" y="1559"/>
-                  </a:lnTo>
-                  <a:lnTo>
-                    <a:pt x="2485" y="1632"/>
-                  </a:lnTo>
-                  <a:lnTo>
-                    <a:pt x="2387" y="1705"/>
-                  </a:lnTo>
-                  <a:lnTo>
-                    <a:pt x="1705" y="2387"/>
-                  </a:lnTo>
-                  <a:lnTo>
-                    <a:pt x="1705" y="2387"/>
-                  </a:lnTo>
-                  <a:lnTo>
-                    <a:pt x="1608" y="2485"/>
-                  </a:lnTo>
-                  <a:lnTo>
-                    <a:pt x="1559" y="2606"/>
-                  </a:lnTo>
-                  <a:lnTo>
-                    <a:pt x="1511" y="2728"/>
-                  </a:lnTo>
-                  <a:lnTo>
-                    <a:pt x="1486" y="2850"/>
-                  </a:lnTo>
-                  <a:lnTo>
-                    <a:pt x="1486" y="2996"/>
-                  </a:lnTo>
-                  <a:lnTo>
-                    <a:pt x="1511" y="3118"/>
-                  </a:lnTo>
-                  <a:lnTo>
-                    <a:pt x="1559" y="3240"/>
-                  </a:lnTo>
-                  <a:lnTo>
-                    <a:pt x="1632" y="3337"/>
-                  </a:lnTo>
-                  <a:lnTo>
-                    <a:pt x="2533" y="4482"/>
-                  </a:lnTo>
-                  <a:lnTo>
-                    <a:pt x="2533" y="4482"/>
-                  </a:lnTo>
-                  <a:lnTo>
-                    <a:pt x="2387" y="4750"/>
-                  </a:lnTo>
-                  <a:lnTo>
-                    <a:pt x="2266" y="5042"/>
-                  </a:lnTo>
-                  <a:lnTo>
-                    <a:pt x="2168" y="5334"/>
-                  </a:lnTo>
-                  <a:lnTo>
-                    <a:pt x="2071" y="5626"/>
-                  </a:lnTo>
-                  <a:lnTo>
-                    <a:pt x="634" y="5772"/>
-                  </a:lnTo>
-                  <a:lnTo>
-                    <a:pt x="634" y="5772"/>
-                  </a:lnTo>
-                  <a:lnTo>
-                    <a:pt x="512" y="5821"/>
-                  </a:lnTo>
-                  <a:lnTo>
-                    <a:pt x="390" y="5870"/>
-                  </a:lnTo>
-                  <a:lnTo>
-                    <a:pt x="268" y="5943"/>
-                  </a:lnTo>
-                  <a:lnTo>
-                    <a:pt x="171" y="6016"/>
-                  </a:lnTo>
-                  <a:lnTo>
-                    <a:pt x="98" y="6138"/>
-                  </a:lnTo>
-                  <a:lnTo>
-                    <a:pt x="49" y="6235"/>
-                  </a:lnTo>
-                  <a:lnTo>
-                    <a:pt x="1" y="6381"/>
-                  </a:lnTo>
-                  <a:lnTo>
-                    <a:pt x="1" y="6503"/>
-                  </a:lnTo>
-                  <a:lnTo>
-                    <a:pt x="1" y="7453"/>
-                  </a:lnTo>
-                  <a:lnTo>
-                    <a:pt x="1" y="7453"/>
-                  </a:lnTo>
-                  <a:lnTo>
-                    <a:pt x="1" y="7599"/>
-                  </a:lnTo>
-                  <a:lnTo>
-                    <a:pt x="49" y="7721"/>
-                  </a:lnTo>
-                  <a:lnTo>
-                    <a:pt x="98" y="7843"/>
-                  </a:lnTo>
-                  <a:lnTo>
-                    <a:pt x="171" y="7940"/>
-                  </a:lnTo>
-                  <a:lnTo>
-                    <a:pt x="268" y="8037"/>
-                  </a:lnTo>
-                  <a:lnTo>
-                    <a:pt x="390" y="8111"/>
-                  </a:lnTo>
-                  <a:lnTo>
-                    <a:pt x="512" y="8159"/>
-                  </a:lnTo>
-                  <a:lnTo>
-                    <a:pt x="634" y="8184"/>
-                  </a:lnTo>
-                  <a:lnTo>
-                    <a:pt x="2071" y="8354"/>
-                  </a:lnTo>
-                  <a:lnTo>
-                    <a:pt x="2071" y="8354"/>
-                  </a:lnTo>
-                  <a:lnTo>
-                    <a:pt x="2168" y="8646"/>
-                  </a:lnTo>
-                  <a:lnTo>
-                    <a:pt x="2266" y="8914"/>
-                  </a:lnTo>
-                  <a:lnTo>
-                    <a:pt x="2387" y="9206"/>
-                  </a:lnTo>
-                  <a:lnTo>
-                    <a:pt x="2533" y="9474"/>
-                  </a:lnTo>
-                  <a:lnTo>
-                    <a:pt x="1632" y="10619"/>
-                  </a:lnTo>
-                  <a:lnTo>
-                    <a:pt x="1632" y="10619"/>
-                  </a:lnTo>
-                  <a:lnTo>
-                    <a:pt x="1559" y="10741"/>
-                  </a:lnTo>
-                  <a:lnTo>
-                    <a:pt x="1511" y="10863"/>
-                  </a:lnTo>
-                  <a:lnTo>
-                    <a:pt x="1486" y="10984"/>
-                  </a:lnTo>
-                  <a:lnTo>
-                    <a:pt x="1486" y="11106"/>
-                  </a:lnTo>
-                  <a:lnTo>
-                    <a:pt x="1511" y="11228"/>
-                  </a:lnTo>
-                  <a:lnTo>
-                    <a:pt x="1559" y="11350"/>
-                  </a:lnTo>
-                  <a:lnTo>
-                    <a:pt x="1608" y="11472"/>
-                  </a:lnTo>
-                  <a:lnTo>
-                    <a:pt x="1705" y="11569"/>
-                  </a:lnTo>
-                  <a:lnTo>
-                    <a:pt x="2387" y="12251"/>
-                  </a:lnTo>
-                  <a:lnTo>
-                    <a:pt x="2387" y="12251"/>
-                  </a:lnTo>
-                  <a:lnTo>
-                    <a:pt x="2485" y="12348"/>
-                  </a:lnTo>
-                  <a:lnTo>
-                    <a:pt x="2582" y="12397"/>
-                  </a:lnTo>
-                  <a:lnTo>
-                    <a:pt x="2728" y="12446"/>
-                  </a:lnTo>
-                  <a:lnTo>
-                    <a:pt x="2850" y="12470"/>
-                  </a:lnTo>
-                  <a:lnTo>
-                    <a:pt x="2972" y="12470"/>
-                  </a:lnTo>
-                  <a:lnTo>
-                    <a:pt x="3094" y="12421"/>
-                  </a:lnTo>
-                  <a:lnTo>
-                    <a:pt x="3215" y="12373"/>
-                  </a:lnTo>
-                  <a:lnTo>
-                    <a:pt x="3337" y="12324"/>
-                  </a:lnTo>
-                  <a:lnTo>
-                    <a:pt x="4482" y="11423"/>
-                  </a:lnTo>
-                  <a:lnTo>
-                    <a:pt x="4482" y="11423"/>
-                  </a:lnTo>
-                  <a:lnTo>
-                    <a:pt x="4750" y="11545"/>
-                  </a:lnTo>
-                  <a:lnTo>
-                    <a:pt x="5018" y="11691"/>
-                  </a:lnTo>
-                  <a:lnTo>
-                    <a:pt x="5310" y="11788"/>
-                  </a:lnTo>
-                  <a:lnTo>
-                    <a:pt x="5602" y="11886"/>
-                  </a:lnTo>
-                  <a:lnTo>
-                    <a:pt x="5773" y="13322"/>
-                  </a:lnTo>
-                  <a:lnTo>
-                    <a:pt x="5773" y="13322"/>
-                  </a:lnTo>
-                  <a:lnTo>
-                    <a:pt x="5797" y="13444"/>
-                  </a:lnTo>
-                  <a:lnTo>
-                    <a:pt x="5846" y="13566"/>
-                  </a:lnTo>
-                  <a:lnTo>
-                    <a:pt x="5919" y="13688"/>
-                  </a:lnTo>
-                  <a:lnTo>
-                    <a:pt x="6016" y="13785"/>
-                  </a:lnTo>
-                  <a:lnTo>
-                    <a:pt x="6114" y="13858"/>
-                  </a:lnTo>
-                  <a:lnTo>
-                    <a:pt x="6235" y="13907"/>
-                  </a:lnTo>
-                  <a:lnTo>
-                    <a:pt x="6357" y="13956"/>
-                  </a:lnTo>
-                  <a:lnTo>
-                    <a:pt x="6479" y="13956"/>
-                  </a:lnTo>
-                  <a:lnTo>
-                    <a:pt x="7453" y="13956"/>
-                  </a:lnTo>
-                  <a:lnTo>
-                    <a:pt x="7453" y="13956"/>
-                  </a:lnTo>
-                  <a:lnTo>
-                    <a:pt x="7575" y="13956"/>
-                  </a:lnTo>
-                  <a:lnTo>
-                    <a:pt x="7721" y="13907"/>
-                  </a:lnTo>
-                  <a:lnTo>
-                    <a:pt x="7818" y="13858"/>
-                  </a:lnTo>
-                  <a:lnTo>
-                    <a:pt x="7940" y="13785"/>
-                  </a:lnTo>
-                  <a:lnTo>
-                    <a:pt x="8013" y="13688"/>
-                  </a:lnTo>
-                  <a:lnTo>
-                    <a:pt x="8086" y="13566"/>
-                  </a:lnTo>
-                  <a:lnTo>
-                    <a:pt x="8135" y="13444"/>
-                  </a:lnTo>
-                  <a:lnTo>
-                    <a:pt x="8159" y="13322"/>
-                  </a:lnTo>
-                  <a:lnTo>
-                    <a:pt x="8330" y="11886"/>
-                  </a:lnTo>
-                  <a:lnTo>
-                    <a:pt x="8330" y="11886"/>
-                  </a:lnTo>
-                  <a:lnTo>
-                    <a:pt x="8622" y="11788"/>
-                  </a:lnTo>
-                  <a:lnTo>
-                    <a:pt x="8914" y="11691"/>
-                  </a:lnTo>
-                  <a:lnTo>
-                    <a:pt x="9207" y="11545"/>
-                  </a:lnTo>
-                  <a:lnTo>
-                    <a:pt x="9475" y="11423"/>
-                  </a:lnTo>
-                  <a:lnTo>
-                    <a:pt x="10619" y="12324"/>
-                  </a:lnTo>
-                  <a:lnTo>
-                    <a:pt x="10619" y="12324"/>
-                  </a:lnTo>
-                  <a:lnTo>
-                    <a:pt x="10717" y="12373"/>
-                  </a:lnTo>
-                  <a:lnTo>
-                    <a:pt x="10838" y="12421"/>
-                  </a:lnTo>
-                  <a:lnTo>
-                    <a:pt x="10960" y="12470"/>
-                  </a:lnTo>
-                  <a:lnTo>
-                    <a:pt x="11106" y="12470"/>
-                  </a:lnTo>
-                  <a:lnTo>
-                    <a:pt x="11228" y="12446"/>
-                  </a:lnTo>
-                  <a:lnTo>
-                    <a:pt x="11350" y="12397"/>
-                  </a:lnTo>
-                  <a:lnTo>
-                    <a:pt x="11472" y="12348"/>
-                  </a:lnTo>
-                  <a:lnTo>
-                    <a:pt x="11569" y="12251"/>
-                  </a:lnTo>
-                  <a:lnTo>
-                    <a:pt x="12251" y="11569"/>
-                  </a:lnTo>
-                  <a:lnTo>
-                    <a:pt x="12251" y="11569"/>
-                  </a:lnTo>
-                  <a:lnTo>
-                    <a:pt x="12324" y="11472"/>
-                  </a:lnTo>
-                  <a:lnTo>
-                    <a:pt x="12397" y="11350"/>
-                  </a:lnTo>
-                  <a:lnTo>
-                    <a:pt x="12422" y="11228"/>
-                  </a:lnTo>
-                  <a:lnTo>
-                    <a:pt x="12446" y="11106"/>
-                  </a:lnTo>
-                  <a:lnTo>
-                    <a:pt x="12446" y="10984"/>
-                  </a:lnTo>
-                  <a:lnTo>
-                    <a:pt x="12422" y="10863"/>
-                  </a:lnTo>
-                  <a:lnTo>
-                    <a:pt x="12373" y="10741"/>
-                  </a:lnTo>
-                  <a:lnTo>
-                    <a:pt x="12300" y="10619"/>
-                  </a:lnTo>
-                  <a:lnTo>
-                    <a:pt x="11399" y="9474"/>
-                  </a:lnTo>
-                  <a:lnTo>
-                    <a:pt x="11399" y="9474"/>
-                  </a:lnTo>
-                  <a:lnTo>
-                    <a:pt x="11545" y="9206"/>
-                  </a:lnTo>
-                  <a:lnTo>
-                    <a:pt x="11667" y="8914"/>
-                  </a:lnTo>
-                  <a:lnTo>
-                    <a:pt x="11788" y="8646"/>
-                  </a:lnTo>
-                  <a:lnTo>
-                    <a:pt x="11861" y="8354"/>
-                  </a:lnTo>
-                  <a:lnTo>
-                    <a:pt x="13323" y="8184"/>
-                  </a:lnTo>
-                  <a:lnTo>
-                    <a:pt x="13323" y="8184"/>
-                  </a:lnTo>
-                  <a:lnTo>
-                    <a:pt x="13444" y="8159"/>
-                  </a:lnTo>
-                  <a:lnTo>
-                    <a:pt x="13566" y="8111"/>
-                  </a:lnTo>
-                  <a:lnTo>
-                    <a:pt x="13664" y="8037"/>
-                  </a:lnTo>
-                  <a:lnTo>
-                    <a:pt x="13761" y="7940"/>
-                  </a:lnTo>
-                  <a:lnTo>
-                    <a:pt x="13834" y="7843"/>
-                  </a:lnTo>
-                  <a:lnTo>
-                    <a:pt x="13907" y="7721"/>
-                  </a:lnTo>
-                  <a:lnTo>
-                    <a:pt x="13932" y="7599"/>
-                  </a:lnTo>
-                  <a:lnTo>
-                    <a:pt x="13956" y="7453"/>
-                  </a:lnTo>
-                  <a:lnTo>
-                    <a:pt x="13956" y="6503"/>
-                  </a:lnTo>
-                  <a:lnTo>
-                    <a:pt x="13956" y="6503"/>
-                  </a:lnTo>
-                  <a:lnTo>
-                    <a:pt x="13932" y="6381"/>
-                  </a:lnTo>
-                  <a:lnTo>
-                    <a:pt x="13907" y="6235"/>
-                  </a:lnTo>
-                  <a:lnTo>
-                    <a:pt x="13834" y="6138"/>
-                  </a:lnTo>
-                  <a:lnTo>
-                    <a:pt x="13761" y="6016"/>
-                  </a:lnTo>
-                  <a:lnTo>
-                    <a:pt x="13664" y="5943"/>
-                  </a:lnTo>
-                  <a:lnTo>
-                    <a:pt x="13566" y="5870"/>
-                  </a:lnTo>
-                  <a:lnTo>
-                    <a:pt x="13444" y="5821"/>
-                  </a:lnTo>
-                  <a:lnTo>
-                    <a:pt x="13323" y="5772"/>
-                  </a:lnTo>
-                  <a:lnTo>
-                    <a:pt x="13323" y="5772"/>
-                  </a:lnTo>
-                  <a:close/>
-                  <a:moveTo>
-                    <a:pt x="8573" y="8598"/>
-                  </a:moveTo>
-                  <a:lnTo>
-                    <a:pt x="8573" y="8598"/>
-                  </a:lnTo>
-                  <a:lnTo>
-                    <a:pt x="8403" y="8744"/>
-                  </a:lnTo>
-                  <a:lnTo>
-                    <a:pt x="8232" y="8890"/>
-                  </a:lnTo>
-                  <a:lnTo>
-                    <a:pt x="8038" y="8987"/>
-                  </a:lnTo>
-                  <a:lnTo>
-                    <a:pt x="7818" y="9085"/>
-                  </a:lnTo>
-                  <a:lnTo>
-                    <a:pt x="7624" y="9158"/>
-                  </a:lnTo>
-                  <a:lnTo>
-                    <a:pt x="7404" y="9206"/>
-                  </a:lnTo>
-                  <a:lnTo>
-                    <a:pt x="7185" y="9231"/>
-                  </a:lnTo>
-                  <a:lnTo>
-                    <a:pt x="6966" y="9255"/>
-                  </a:lnTo>
-                  <a:lnTo>
-                    <a:pt x="6747" y="9231"/>
-                  </a:lnTo>
-                  <a:lnTo>
-                    <a:pt x="6528" y="9206"/>
-                  </a:lnTo>
-                  <a:lnTo>
-                    <a:pt x="6333" y="9158"/>
-                  </a:lnTo>
-                  <a:lnTo>
-                    <a:pt x="6114" y="9085"/>
-                  </a:lnTo>
-                  <a:lnTo>
-                    <a:pt x="5919" y="8987"/>
-                  </a:lnTo>
-                  <a:lnTo>
-                    <a:pt x="5724" y="8890"/>
-                  </a:lnTo>
-                  <a:lnTo>
-                    <a:pt x="5529" y="8744"/>
-                  </a:lnTo>
-                  <a:lnTo>
-                    <a:pt x="5359" y="8598"/>
-                  </a:lnTo>
-                  <a:lnTo>
-                    <a:pt x="5359" y="8598"/>
-                  </a:lnTo>
-                  <a:lnTo>
-                    <a:pt x="5212" y="8427"/>
-                  </a:lnTo>
-                  <a:lnTo>
-                    <a:pt x="5066" y="8232"/>
-                  </a:lnTo>
-                  <a:lnTo>
-                    <a:pt x="4969" y="8037"/>
-                  </a:lnTo>
-                  <a:lnTo>
-                    <a:pt x="4871" y="7843"/>
-                  </a:lnTo>
-                  <a:lnTo>
-                    <a:pt x="4798" y="7623"/>
-                  </a:lnTo>
-                  <a:lnTo>
-                    <a:pt x="4750" y="7404"/>
-                  </a:lnTo>
-                  <a:lnTo>
-                    <a:pt x="4701" y="7209"/>
-                  </a:lnTo>
-                  <a:lnTo>
-                    <a:pt x="4701" y="6990"/>
-                  </a:lnTo>
-                  <a:lnTo>
-                    <a:pt x="4701" y="6771"/>
-                  </a:lnTo>
-                  <a:lnTo>
-                    <a:pt x="4750" y="6552"/>
-                  </a:lnTo>
-                  <a:lnTo>
-                    <a:pt x="4798" y="6333"/>
-                  </a:lnTo>
-                  <a:lnTo>
-                    <a:pt x="4871" y="6138"/>
-                  </a:lnTo>
-                  <a:lnTo>
-                    <a:pt x="4969" y="5919"/>
-                  </a:lnTo>
-                  <a:lnTo>
-                    <a:pt x="5066" y="5724"/>
-                  </a:lnTo>
-                  <a:lnTo>
-                    <a:pt x="5212" y="5553"/>
-                  </a:lnTo>
-                  <a:lnTo>
-                    <a:pt x="5359" y="5383"/>
-                  </a:lnTo>
-                  <a:lnTo>
-                    <a:pt x="5359" y="5383"/>
-                  </a:lnTo>
-                  <a:lnTo>
-                    <a:pt x="5529" y="5212"/>
-                  </a:lnTo>
-                  <a:lnTo>
-                    <a:pt x="5724" y="5091"/>
-                  </a:lnTo>
-                  <a:lnTo>
-                    <a:pt x="5919" y="4969"/>
-                  </a:lnTo>
-                  <a:lnTo>
-                    <a:pt x="6114" y="4871"/>
-                  </a:lnTo>
-                  <a:lnTo>
-                    <a:pt x="6333" y="4798"/>
-                  </a:lnTo>
-                  <a:lnTo>
-                    <a:pt x="6528" y="4750"/>
-                  </a:lnTo>
-                  <a:lnTo>
-                    <a:pt x="6747" y="4725"/>
-                  </a:lnTo>
-                  <a:lnTo>
-                    <a:pt x="6966" y="4701"/>
-                  </a:lnTo>
-                  <a:lnTo>
-                    <a:pt x="7185" y="4725"/>
-                  </a:lnTo>
-                  <a:lnTo>
-                    <a:pt x="7404" y="4750"/>
-                  </a:lnTo>
-                  <a:lnTo>
-                    <a:pt x="7624" y="4798"/>
-                  </a:lnTo>
-                  <a:lnTo>
-                    <a:pt x="7818" y="4871"/>
-                  </a:lnTo>
-                  <a:lnTo>
-                    <a:pt x="8038" y="4969"/>
-                  </a:lnTo>
-                  <a:lnTo>
-                    <a:pt x="8232" y="5091"/>
-                  </a:lnTo>
-                  <a:lnTo>
-                    <a:pt x="8403" y="5212"/>
-                  </a:lnTo>
-                  <a:lnTo>
-                    <a:pt x="8573" y="5383"/>
-                  </a:lnTo>
-                  <a:lnTo>
-                    <a:pt x="8573" y="5383"/>
-                  </a:lnTo>
-                  <a:lnTo>
-                    <a:pt x="8744" y="5553"/>
-                  </a:lnTo>
-                  <a:lnTo>
-                    <a:pt x="8866" y="5724"/>
-                  </a:lnTo>
-                  <a:lnTo>
-                    <a:pt x="8987" y="5919"/>
-                  </a:lnTo>
-                  <a:lnTo>
-                    <a:pt x="9085" y="6138"/>
-                  </a:lnTo>
-                  <a:lnTo>
-                    <a:pt x="9158" y="6333"/>
-                  </a:lnTo>
-                  <a:lnTo>
-                    <a:pt x="9207" y="6552"/>
-                  </a:lnTo>
-                  <a:lnTo>
-                    <a:pt x="9231" y="6771"/>
-                  </a:lnTo>
-                  <a:lnTo>
-                    <a:pt x="9231" y="6990"/>
-                  </a:lnTo>
-                  <a:lnTo>
-                    <a:pt x="9231" y="7209"/>
-                  </a:lnTo>
-                  <a:lnTo>
-                    <a:pt x="9207" y="7404"/>
-                  </a:lnTo>
-                  <a:lnTo>
-                    <a:pt x="9158" y="7623"/>
-                  </a:lnTo>
-                  <a:lnTo>
-                    <a:pt x="9085" y="7843"/>
-                  </a:lnTo>
-                  <a:lnTo>
-                    <a:pt x="8987" y="8037"/>
-                  </a:lnTo>
-                  <a:lnTo>
-                    <a:pt x="8866" y="8232"/>
-                  </a:lnTo>
-                  <a:lnTo>
-                    <a:pt x="8744" y="8427"/>
-                  </a:lnTo>
-                  <a:lnTo>
-                    <a:pt x="8573" y="8598"/>
-                  </a:lnTo>
-                  <a:lnTo>
-                    <a:pt x="8573" y="8598"/>
-                  </a:lnTo>
-                  <a:close/>
-                </a:path>
-              </a:pathLst>
-            </a:custGeom>
-            <a:grpFill/>
-            <a:ln w="9525" cap="rnd" cmpd="sng">
-              <a:solidFill>
-                <a:schemeClr val="bg1"/>
-              </a:solidFill>
-              <a:prstDash val="solid"/>
-              <a:round/>
-              <a:headEnd type="none" w="med" len="med"/>
-              <a:tailEnd type="none" w="med" len="med"/>
-            </a:ln>
-          </p:spPr>
-          <p:txBody>
-            <a:bodyPr lIns="91425" tIns="91425" rIns="91425" bIns="91425" anchor="ctr" anchorCtr="0">
-              <a:noAutofit/>
-            </a:bodyPr>
-            <a:lstStyle/>
-            <a:p>
-              <a:pPr lvl="0">
-                <a:spcBef>
-                  <a:spcPts val="0"/>
-                </a:spcBef>
-                <a:buNone/>
-              </a:pPr>
-              <a:endParaRPr>
-                <a:solidFill>
-                  <a:schemeClr val="bg1"/>
-                </a:solidFill>
-              </a:endParaRPr>
-            </a:p>
-          </p:txBody>
-        </p:sp>
-        <p:sp>
-          <p:nvSpPr>
-            <p:cNvPr id="337" name="Shape 337"/>
-            <p:cNvSpPr/>
-            <p:nvPr/>
-          </p:nvSpPr>
-          <p:spPr>
-            <a:xfrm>
-              <a:off x="5566575" y="3265260"/>
-              <a:ext cx="198525" cy="198525"/>
-            </a:xfrm>
-            <a:custGeom>
-              <a:avLst/>
-              <a:gdLst/>
-              <a:ahLst/>
-              <a:cxnLst/>
-              <a:rect l="0" t="0" r="0" b="0"/>
-              <a:pathLst>
-                <a:path w="7941" h="7941" fill="none" extrusionOk="0">
-                  <a:moveTo>
-                    <a:pt x="7258" y="2144"/>
-                  </a:moveTo>
-                  <a:lnTo>
-                    <a:pt x="6138" y="2388"/>
-                  </a:lnTo>
-                  <a:lnTo>
-                    <a:pt x="6138" y="2388"/>
-                  </a:lnTo>
-                  <a:lnTo>
-                    <a:pt x="6016" y="2217"/>
-                  </a:lnTo>
-                  <a:lnTo>
-                    <a:pt x="5870" y="2071"/>
-                  </a:lnTo>
-                  <a:lnTo>
-                    <a:pt x="6260" y="975"/>
-                  </a:lnTo>
-                  <a:lnTo>
-                    <a:pt x="6260" y="975"/>
-                  </a:lnTo>
-                  <a:lnTo>
-                    <a:pt x="6284" y="902"/>
-                  </a:lnTo>
-                  <a:lnTo>
-                    <a:pt x="6284" y="829"/>
-                  </a:lnTo>
-                  <a:lnTo>
-                    <a:pt x="6260" y="683"/>
-                  </a:lnTo>
-                  <a:lnTo>
-                    <a:pt x="6162" y="561"/>
-                  </a:lnTo>
-                  <a:lnTo>
-                    <a:pt x="6114" y="488"/>
-                  </a:lnTo>
-                  <a:lnTo>
-                    <a:pt x="6065" y="464"/>
-                  </a:lnTo>
-                  <a:lnTo>
-                    <a:pt x="5553" y="196"/>
-                  </a:lnTo>
-                  <a:lnTo>
-                    <a:pt x="5553" y="196"/>
-                  </a:lnTo>
-                  <a:lnTo>
-                    <a:pt x="5480" y="171"/>
-                  </a:lnTo>
-                  <a:lnTo>
-                    <a:pt x="5407" y="171"/>
-                  </a:lnTo>
-                  <a:lnTo>
-                    <a:pt x="5261" y="171"/>
-                  </a:lnTo>
-                  <a:lnTo>
-                    <a:pt x="5115" y="244"/>
-                  </a:lnTo>
-                  <a:lnTo>
-                    <a:pt x="5066" y="293"/>
-                  </a:lnTo>
-                  <a:lnTo>
-                    <a:pt x="5018" y="342"/>
-                  </a:lnTo>
-                  <a:lnTo>
-                    <a:pt x="4384" y="1316"/>
-                  </a:lnTo>
-                  <a:lnTo>
-                    <a:pt x="4384" y="1316"/>
-                  </a:lnTo>
-                  <a:lnTo>
-                    <a:pt x="4165" y="1292"/>
-                  </a:lnTo>
-                  <a:lnTo>
-                    <a:pt x="3970" y="1292"/>
-                  </a:lnTo>
-                  <a:lnTo>
-                    <a:pt x="3483" y="244"/>
-                  </a:lnTo>
-                  <a:lnTo>
-                    <a:pt x="3483" y="244"/>
-                  </a:lnTo>
-                  <a:lnTo>
-                    <a:pt x="3435" y="171"/>
-                  </a:lnTo>
-                  <a:lnTo>
-                    <a:pt x="3386" y="123"/>
-                  </a:lnTo>
-                  <a:lnTo>
-                    <a:pt x="3264" y="50"/>
-                  </a:lnTo>
-                  <a:lnTo>
-                    <a:pt x="3118" y="1"/>
-                  </a:lnTo>
-                  <a:lnTo>
-                    <a:pt x="3045" y="1"/>
-                  </a:lnTo>
-                  <a:lnTo>
-                    <a:pt x="2972" y="25"/>
-                  </a:lnTo>
-                  <a:lnTo>
-                    <a:pt x="2436" y="196"/>
-                  </a:lnTo>
-                  <a:lnTo>
-                    <a:pt x="2436" y="196"/>
-                  </a:lnTo>
-                  <a:lnTo>
-                    <a:pt x="2363" y="220"/>
-                  </a:lnTo>
-                  <a:lnTo>
-                    <a:pt x="2290" y="269"/>
-                  </a:lnTo>
-                  <a:lnTo>
-                    <a:pt x="2192" y="391"/>
-                  </a:lnTo>
-                  <a:lnTo>
-                    <a:pt x="2144" y="537"/>
-                  </a:lnTo>
-                  <a:lnTo>
-                    <a:pt x="2144" y="610"/>
-                  </a:lnTo>
-                  <a:lnTo>
-                    <a:pt x="2144" y="683"/>
-                  </a:lnTo>
-                  <a:lnTo>
-                    <a:pt x="2387" y="1828"/>
-                  </a:lnTo>
-                  <a:lnTo>
-                    <a:pt x="2387" y="1828"/>
-                  </a:lnTo>
-                  <a:lnTo>
-                    <a:pt x="2217" y="1949"/>
-                  </a:lnTo>
-                  <a:lnTo>
-                    <a:pt x="2071" y="2095"/>
-                  </a:lnTo>
-                  <a:lnTo>
-                    <a:pt x="999" y="1681"/>
-                  </a:lnTo>
-                  <a:lnTo>
-                    <a:pt x="999" y="1681"/>
-                  </a:lnTo>
-                  <a:lnTo>
-                    <a:pt x="926" y="1681"/>
-                  </a:lnTo>
-                  <a:lnTo>
-                    <a:pt x="829" y="1657"/>
-                  </a:lnTo>
-                  <a:lnTo>
-                    <a:pt x="682" y="1706"/>
-                  </a:lnTo>
-                  <a:lnTo>
-                    <a:pt x="561" y="1779"/>
-                  </a:lnTo>
-                  <a:lnTo>
-                    <a:pt x="512" y="1828"/>
-                  </a:lnTo>
-                  <a:lnTo>
-                    <a:pt x="463" y="1901"/>
-                  </a:lnTo>
-                  <a:lnTo>
-                    <a:pt x="220" y="2388"/>
-                  </a:lnTo>
-                  <a:lnTo>
-                    <a:pt x="220" y="2388"/>
-                  </a:lnTo>
-                  <a:lnTo>
-                    <a:pt x="195" y="2461"/>
-                  </a:lnTo>
-                  <a:lnTo>
-                    <a:pt x="171" y="2534"/>
-                  </a:lnTo>
-                  <a:lnTo>
-                    <a:pt x="195" y="2704"/>
-                  </a:lnTo>
-                  <a:lnTo>
-                    <a:pt x="244" y="2826"/>
-                  </a:lnTo>
-                  <a:lnTo>
-                    <a:pt x="293" y="2899"/>
-                  </a:lnTo>
-                  <a:lnTo>
-                    <a:pt x="366" y="2948"/>
-                  </a:lnTo>
-                  <a:lnTo>
-                    <a:pt x="1340" y="3581"/>
-                  </a:lnTo>
-                  <a:lnTo>
-                    <a:pt x="1340" y="3581"/>
-                  </a:lnTo>
-                  <a:lnTo>
-                    <a:pt x="1316" y="3776"/>
-                  </a:lnTo>
-                  <a:lnTo>
-                    <a:pt x="1291" y="3995"/>
-                  </a:lnTo>
-                  <a:lnTo>
-                    <a:pt x="244" y="4482"/>
-                  </a:lnTo>
-                  <a:lnTo>
-                    <a:pt x="244" y="4482"/>
-                  </a:lnTo>
-                  <a:lnTo>
-                    <a:pt x="195" y="4507"/>
-                  </a:lnTo>
-                  <a:lnTo>
-                    <a:pt x="122" y="4555"/>
-                  </a:lnTo>
-                  <a:lnTo>
-                    <a:pt x="49" y="4701"/>
-                  </a:lnTo>
-                  <a:lnTo>
-                    <a:pt x="0" y="4848"/>
-                  </a:lnTo>
-                  <a:lnTo>
-                    <a:pt x="25" y="4921"/>
-                  </a:lnTo>
-                  <a:lnTo>
-                    <a:pt x="25" y="4994"/>
-                  </a:lnTo>
-                  <a:lnTo>
-                    <a:pt x="220" y="5530"/>
-                  </a:lnTo>
-                  <a:lnTo>
-                    <a:pt x="220" y="5530"/>
-                  </a:lnTo>
-                  <a:lnTo>
-                    <a:pt x="244" y="5578"/>
-                  </a:lnTo>
-                  <a:lnTo>
-                    <a:pt x="293" y="5651"/>
-                  </a:lnTo>
-                  <a:lnTo>
-                    <a:pt x="390" y="5749"/>
-                  </a:lnTo>
-                  <a:lnTo>
-                    <a:pt x="536" y="5797"/>
-                  </a:lnTo>
-                  <a:lnTo>
-                    <a:pt x="609" y="5797"/>
-                  </a:lnTo>
-                  <a:lnTo>
-                    <a:pt x="682" y="5797"/>
-                  </a:lnTo>
-                  <a:lnTo>
-                    <a:pt x="1827" y="5554"/>
-                  </a:lnTo>
-                  <a:lnTo>
-                    <a:pt x="1827" y="5554"/>
-                  </a:lnTo>
-                  <a:lnTo>
-                    <a:pt x="1949" y="5724"/>
-                  </a:lnTo>
-                  <a:lnTo>
-                    <a:pt x="2095" y="5870"/>
-                  </a:lnTo>
-                  <a:lnTo>
-                    <a:pt x="1705" y="6966"/>
-                  </a:lnTo>
-                  <a:lnTo>
-                    <a:pt x="1705" y="6966"/>
-                  </a:lnTo>
-                  <a:lnTo>
-                    <a:pt x="1681" y="7040"/>
-                  </a:lnTo>
-                  <a:lnTo>
-                    <a:pt x="1681" y="7113"/>
-                  </a:lnTo>
-                  <a:lnTo>
-                    <a:pt x="1705" y="7259"/>
-                  </a:lnTo>
-                  <a:lnTo>
-                    <a:pt x="1778" y="7380"/>
-                  </a:lnTo>
-                  <a:lnTo>
-                    <a:pt x="1851" y="7429"/>
-                  </a:lnTo>
-                  <a:lnTo>
-                    <a:pt x="1900" y="7478"/>
-                  </a:lnTo>
-                  <a:lnTo>
-                    <a:pt x="2412" y="7721"/>
-                  </a:lnTo>
-                  <a:lnTo>
-                    <a:pt x="2412" y="7721"/>
-                  </a:lnTo>
-                  <a:lnTo>
-                    <a:pt x="2485" y="7770"/>
-                  </a:lnTo>
-                  <a:lnTo>
-                    <a:pt x="2558" y="7770"/>
-                  </a:lnTo>
-                  <a:lnTo>
-                    <a:pt x="2704" y="7770"/>
-                  </a:lnTo>
-                  <a:lnTo>
-                    <a:pt x="2850" y="7697"/>
-                  </a:lnTo>
-                  <a:lnTo>
-                    <a:pt x="2899" y="7648"/>
-                  </a:lnTo>
-                  <a:lnTo>
-                    <a:pt x="2947" y="7600"/>
-                  </a:lnTo>
-                  <a:lnTo>
-                    <a:pt x="3581" y="6625"/>
-                  </a:lnTo>
-                  <a:lnTo>
-                    <a:pt x="3581" y="6625"/>
-                  </a:lnTo>
-                  <a:lnTo>
-                    <a:pt x="3800" y="6650"/>
-                  </a:lnTo>
-                  <a:lnTo>
-                    <a:pt x="3995" y="6650"/>
-                  </a:lnTo>
-                  <a:lnTo>
-                    <a:pt x="4482" y="7697"/>
-                  </a:lnTo>
-                  <a:lnTo>
-                    <a:pt x="4482" y="7697"/>
-                  </a:lnTo>
-                  <a:lnTo>
-                    <a:pt x="4531" y="7770"/>
-                  </a:lnTo>
-                  <a:lnTo>
-                    <a:pt x="4579" y="7819"/>
-                  </a:lnTo>
-                  <a:lnTo>
-                    <a:pt x="4701" y="7892"/>
-                  </a:lnTo>
-                  <a:lnTo>
-                    <a:pt x="4847" y="7941"/>
-                  </a:lnTo>
-                  <a:lnTo>
-                    <a:pt x="4920" y="7941"/>
-                  </a:lnTo>
-                  <a:lnTo>
-                    <a:pt x="4993" y="7916"/>
-                  </a:lnTo>
-                  <a:lnTo>
-                    <a:pt x="5529" y="7746"/>
-                  </a:lnTo>
-                  <a:lnTo>
-                    <a:pt x="5529" y="7746"/>
-                  </a:lnTo>
-                  <a:lnTo>
-                    <a:pt x="5602" y="7721"/>
-                  </a:lnTo>
-                  <a:lnTo>
-                    <a:pt x="5651" y="7673"/>
-                  </a:lnTo>
-                  <a:lnTo>
-                    <a:pt x="5748" y="7551"/>
-                  </a:lnTo>
-                  <a:lnTo>
-                    <a:pt x="5821" y="7405"/>
-                  </a:lnTo>
-                  <a:lnTo>
-                    <a:pt x="5821" y="7332"/>
-                  </a:lnTo>
-                  <a:lnTo>
-                    <a:pt x="5821" y="7259"/>
-                  </a:lnTo>
-                  <a:lnTo>
-                    <a:pt x="5578" y="6114"/>
-                  </a:lnTo>
-                  <a:lnTo>
-                    <a:pt x="5578" y="6114"/>
-                  </a:lnTo>
-                  <a:lnTo>
-                    <a:pt x="5724" y="5992"/>
-                  </a:lnTo>
-                  <a:lnTo>
-                    <a:pt x="5894" y="5846"/>
-                  </a:lnTo>
-                  <a:lnTo>
-                    <a:pt x="6966" y="6260"/>
-                  </a:lnTo>
-                  <a:lnTo>
-                    <a:pt x="6966" y="6260"/>
-                  </a:lnTo>
-                  <a:lnTo>
-                    <a:pt x="7039" y="6260"/>
-                  </a:lnTo>
-                  <a:lnTo>
-                    <a:pt x="7112" y="6285"/>
-                  </a:lnTo>
-                  <a:lnTo>
-                    <a:pt x="7258" y="6236"/>
-                  </a:lnTo>
-                  <a:lnTo>
-                    <a:pt x="7404" y="6163"/>
-                  </a:lnTo>
-                  <a:lnTo>
-                    <a:pt x="7453" y="6114"/>
-                  </a:lnTo>
-                  <a:lnTo>
-                    <a:pt x="7502" y="6041"/>
-                  </a:lnTo>
-                  <a:lnTo>
-                    <a:pt x="7745" y="5530"/>
-                  </a:lnTo>
-                  <a:lnTo>
-                    <a:pt x="7745" y="5530"/>
-                  </a:lnTo>
-                  <a:lnTo>
-                    <a:pt x="7770" y="5481"/>
-                  </a:lnTo>
-                  <a:lnTo>
-                    <a:pt x="7794" y="5383"/>
-                  </a:lnTo>
-                  <a:lnTo>
-                    <a:pt x="7770" y="5237"/>
-                  </a:lnTo>
-                  <a:lnTo>
-                    <a:pt x="7697" y="5115"/>
-                  </a:lnTo>
-                  <a:lnTo>
-                    <a:pt x="7648" y="5042"/>
-                  </a:lnTo>
-                  <a:lnTo>
-                    <a:pt x="7599" y="4994"/>
-                  </a:lnTo>
-                  <a:lnTo>
-                    <a:pt x="6625" y="4360"/>
-                  </a:lnTo>
-                  <a:lnTo>
-                    <a:pt x="6625" y="4360"/>
-                  </a:lnTo>
-                  <a:lnTo>
-                    <a:pt x="6649" y="4166"/>
-                  </a:lnTo>
-                  <a:lnTo>
-                    <a:pt x="6649" y="3946"/>
-                  </a:lnTo>
-                  <a:lnTo>
-                    <a:pt x="7697" y="3459"/>
-                  </a:lnTo>
-                  <a:lnTo>
-                    <a:pt x="7697" y="3459"/>
-                  </a:lnTo>
-                  <a:lnTo>
-                    <a:pt x="7770" y="3435"/>
-                  </a:lnTo>
-                  <a:lnTo>
-                    <a:pt x="7843" y="3386"/>
-                  </a:lnTo>
-                  <a:lnTo>
-                    <a:pt x="7916" y="3240"/>
-                  </a:lnTo>
-                  <a:lnTo>
-                    <a:pt x="7940" y="3094"/>
-                  </a:lnTo>
-                  <a:lnTo>
-                    <a:pt x="7940" y="3021"/>
-                  </a:lnTo>
-                  <a:lnTo>
-                    <a:pt x="7940" y="2948"/>
-                  </a:lnTo>
-                  <a:lnTo>
-                    <a:pt x="7745" y="2412"/>
-                  </a:lnTo>
-                  <a:lnTo>
-                    <a:pt x="7745" y="2412"/>
-                  </a:lnTo>
-                  <a:lnTo>
-                    <a:pt x="7721" y="2339"/>
-                  </a:lnTo>
-                  <a:lnTo>
-                    <a:pt x="7672" y="2290"/>
-                  </a:lnTo>
-                  <a:lnTo>
-                    <a:pt x="7551" y="2193"/>
-                  </a:lnTo>
-                  <a:lnTo>
-                    <a:pt x="7429" y="2144"/>
-                  </a:lnTo>
-                  <a:lnTo>
-                    <a:pt x="7356" y="2144"/>
-                  </a:lnTo>
-                  <a:lnTo>
-                    <a:pt x="7258" y="2144"/>
-                  </a:lnTo>
-                  <a:lnTo>
-                    <a:pt x="7258" y="2144"/>
-                  </a:lnTo>
-                  <a:close/>
-                  <a:moveTo>
-                    <a:pt x="5480" y="4726"/>
-                  </a:moveTo>
-                  <a:lnTo>
-                    <a:pt x="5480" y="4726"/>
-                  </a:lnTo>
-                  <a:lnTo>
-                    <a:pt x="5383" y="4872"/>
-                  </a:lnTo>
-                  <a:lnTo>
-                    <a:pt x="5286" y="4994"/>
-                  </a:lnTo>
-                  <a:lnTo>
-                    <a:pt x="5188" y="5140"/>
-                  </a:lnTo>
-                  <a:lnTo>
-                    <a:pt x="5066" y="5237"/>
-                  </a:lnTo>
-                  <a:lnTo>
-                    <a:pt x="4945" y="5335"/>
-                  </a:lnTo>
-                  <a:lnTo>
-                    <a:pt x="4798" y="5432"/>
-                  </a:lnTo>
-                  <a:lnTo>
-                    <a:pt x="4652" y="5505"/>
-                  </a:lnTo>
-                  <a:lnTo>
-                    <a:pt x="4506" y="5554"/>
-                  </a:lnTo>
-                  <a:lnTo>
-                    <a:pt x="4360" y="5603"/>
-                  </a:lnTo>
-                  <a:lnTo>
-                    <a:pt x="4190" y="5627"/>
-                  </a:lnTo>
-                  <a:lnTo>
-                    <a:pt x="4043" y="5651"/>
-                  </a:lnTo>
-                  <a:lnTo>
-                    <a:pt x="3873" y="5627"/>
-                  </a:lnTo>
-                  <a:lnTo>
-                    <a:pt x="3702" y="5627"/>
-                  </a:lnTo>
-                  <a:lnTo>
-                    <a:pt x="3556" y="5578"/>
-                  </a:lnTo>
-                  <a:lnTo>
-                    <a:pt x="3386" y="5530"/>
-                  </a:lnTo>
-                  <a:lnTo>
-                    <a:pt x="3240" y="5456"/>
-                  </a:lnTo>
-                  <a:lnTo>
-                    <a:pt x="3240" y="5456"/>
-                  </a:lnTo>
-                  <a:lnTo>
-                    <a:pt x="3094" y="5383"/>
-                  </a:lnTo>
-                  <a:lnTo>
-                    <a:pt x="2947" y="5286"/>
-                  </a:lnTo>
-                  <a:lnTo>
-                    <a:pt x="2826" y="5164"/>
-                  </a:lnTo>
-                  <a:lnTo>
-                    <a:pt x="2704" y="5067"/>
-                  </a:lnTo>
-                  <a:lnTo>
-                    <a:pt x="2606" y="4921"/>
-                  </a:lnTo>
-                  <a:lnTo>
-                    <a:pt x="2533" y="4799"/>
-                  </a:lnTo>
-                  <a:lnTo>
-                    <a:pt x="2460" y="4653"/>
-                  </a:lnTo>
-                  <a:lnTo>
-                    <a:pt x="2387" y="4507"/>
-                  </a:lnTo>
-                  <a:lnTo>
-                    <a:pt x="2363" y="4336"/>
-                  </a:lnTo>
-                  <a:lnTo>
-                    <a:pt x="2314" y="4190"/>
-                  </a:lnTo>
-                  <a:lnTo>
-                    <a:pt x="2314" y="4020"/>
-                  </a:lnTo>
-                  <a:lnTo>
-                    <a:pt x="2314" y="3873"/>
-                  </a:lnTo>
-                  <a:lnTo>
-                    <a:pt x="2339" y="3703"/>
-                  </a:lnTo>
-                  <a:lnTo>
-                    <a:pt x="2363" y="3532"/>
-                  </a:lnTo>
-                  <a:lnTo>
-                    <a:pt x="2412" y="3386"/>
-                  </a:lnTo>
-                  <a:lnTo>
-                    <a:pt x="2485" y="3216"/>
-                  </a:lnTo>
-                  <a:lnTo>
-                    <a:pt x="2485" y="3216"/>
-                  </a:lnTo>
-                  <a:lnTo>
-                    <a:pt x="2582" y="3070"/>
-                  </a:lnTo>
-                  <a:lnTo>
-                    <a:pt x="2680" y="2948"/>
-                  </a:lnTo>
-                  <a:lnTo>
-                    <a:pt x="2777" y="2802"/>
-                  </a:lnTo>
-                  <a:lnTo>
-                    <a:pt x="2899" y="2704"/>
-                  </a:lnTo>
-                  <a:lnTo>
-                    <a:pt x="3020" y="2607"/>
-                  </a:lnTo>
-                  <a:lnTo>
-                    <a:pt x="3167" y="2509"/>
-                  </a:lnTo>
-                  <a:lnTo>
-                    <a:pt x="3313" y="2436"/>
-                  </a:lnTo>
-                  <a:lnTo>
-                    <a:pt x="3459" y="2388"/>
-                  </a:lnTo>
-                  <a:lnTo>
-                    <a:pt x="3605" y="2339"/>
-                  </a:lnTo>
-                  <a:lnTo>
-                    <a:pt x="3775" y="2315"/>
-                  </a:lnTo>
-                  <a:lnTo>
-                    <a:pt x="3922" y="2290"/>
-                  </a:lnTo>
-                  <a:lnTo>
-                    <a:pt x="4092" y="2315"/>
-                  </a:lnTo>
-                  <a:lnTo>
-                    <a:pt x="4263" y="2315"/>
-                  </a:lnTo>
-                  <a:lnTo>
-                    <a:pt x="4409" y="2363"/>
-                  </a:lnTo>
-                  <a:lnTo>
-                    <a:pt x="4579" y="2412"/>
-                  </a:lnTo>
-                  <a:lnTo>
-                    <a:pt x="4725" y="2485"/>
-                  </a:lnTo>
-                  <a:lnTo>
-                    <a:pt x="4725" y="2485"/>
-                  </a:lnTo>
-                  <a:lnTo>
-                    <a:pt x="4871" y="2558"/>
-                  </a:lnTo>
-                  <a:lnTo>
-                    <a:pt x="5018" y="2656"/>
-                  </a:lnTo>
-                  <a:lnTo>
-                    <a:pt x="5139" y="2777"/>
-                  </a:lnTo>
-                  <a:lnTo>
-                    <a:pt x="5261" y="2875"/>
-                  </a:lnTo>
-                  <a:lnTo>
-                    <a:pt x="5359" y="3021"/>
-                  </a:lnTo>
-                  <a:lnTo>
-                    <a:pt x="5432" y="3143"/>
-                  </a:lnTo>
-                  <a:lnTo>
-                    <a:pt x="5505" y="3289"/>
-                  </a:lnTo>
-                  <a:lnTo>
-                    <a:pt x="5578" y="3435"/>
-                  </a:lnTo>
-                  <a:lnTo>
-                    <a:pt x="5602" y="3605"/>
-                  </a:lnTo>
-                  <a:lnTo>
-                    <a:pt x="5626" y="3752"/>
-                  </a:lnTo>
-                  <a:lnTo>
-                    <a:pt x="5651" y="3922"/>
-                  </a:lnTo>
-                  <a:lnTo>
-                    <a:pt x="5651" y="4068"/>
-                  </a:lnTo>
-                  <a:lnTo>
-                    <a:pt x="5626" y="4239"/>
-                  </a:lnTo>
-                  <a:lnTo>
-                    <a:pt x="5602" y="4409"/>
-                  </a:lnTo>
-                  <a:lnTo>
-                    <a:pt x="5553" y="4555"/>
-                  </a:lnTo>
-                  <a:lnTo>
-                    <a:pt x="5480" y="4726"/>
-                  </a:lnTo>
-                  <a:lnTo>
-                    <a:pt x="5480" y="4726"/>
-                  </a:lnTo>
-                  <a:close/>
-                </a:path>
-              </a:pathLst>
-            </a:custGeom>
-            <a:grpFill/>
-            <a:ln w="9525" cap="rnd" cmpd="sng">
-              <a:solidFill>
-                <a:schemeClr val="bg1"/>
-              </a:solidFill>
-              <a:prstDash val="solid"/>
-              <a:round/>
-              <a:headEnd type="none" w="med" len="med"/>
-              <a:tailEnd type="none" w="med" len="med"/>
-            </a:ln>
-          </p:spPr>
-          <p:txBody>
-            <a:bodyPr lIns="91425" tIns="91425" rIns="91425" bIns="91425" anchor="ctr" anchorCtr="0">
-              <a:noAutofit/>
-            </a:bodyPr>
-            <a:lstStyle/>
-            <a:p>
-              <a:pPr lvl="0">
-                <a:spcBef>
-                  <a:spcPts val="0"/>
-                </a:spcBef>
-                <a:buNone/>
-              </a:pPr>
-              <a:endParaRPr>
-                <a:solidFill>
-                  <a:schemeClr val="bg1"/>
-                </a:solidFill>
-              </a:endParaRPr>
-            </a:p>
-          </p:txBody>
-        </p:sp>
-      </p:grpSp>
       <p:pic>
         <p:nvPicPr>
-          <p:cNvPr id="1026" name="Picture 2" descr="https://scontent-atl3-1.xx.fbcdn.net/v/t34.0-12/20117466_10213976178706622_685343659_n.png?oh=cdfda491e76a6f9fc1f798cfa376eabf&amp;oe=596CD3ED">
+          <p:cNvPr id="2" name="Picture 2" descr="https://scontent.xx.fbcdn.net/v/t34.0-12/20121079_10213980892624467_739489894_n.png?oh=5093e4b032435db753ec657bfa160acb&amp;oe=596DEDC1">
             <a:extLst>
               <a:ext uri="{FF2B5EF4-FFF2-40B4-BE49-F238E27FC236}">
-                <a16:creationId xmlns:a16="http://schemas.microsoft.com/office/drawing/2014/main" id="{791EE8C0-BB1B-4DD6-8FC9-0D47E64EBF91}"/>
+                <a16:creationId xmlns:a16="http://schemas.microsoft.com/office/drawing/2014/main" id="{62DC7B48-77CC-4E9F-ABC3-061E8E587CCB}"/>
               </a:ext>
             </a:extLst>
           </p:cNvPr>
@@ -6477,7 +4845,7 @@
         <p:spPr bwMode="auto">
           <a:xfrm>
             <a:off x="5468725" y="839000"/>
-            <a:ext cx="1888499" cy="3356100"/>
+            <a:ext cx="1888499" cy="3356410"/>
           </a:xfrm>
           <a:prstGeom prst="rect">
             <a:avLst/>
@@ -6492,6 +4860,42 @@
               </a14:hiddenFill>
             </a:ext>
           </a:extLst>
+        </p:spPr>
+      </p:pic>
+      <p:pic>
+        <p:nvPicPr>
+          <p:cNvPr id="11" name="Graphic 10" descr="Smart Phone">
+            <a:extLst>
+              <a:ext uri="{FF2B5EF4-FFF2-40B4-BE49-F238E27FC236}">
+                <a16:creationId xmlns:a16="http://schemas.microsoft.com/office/drawing/2014/main" id="{CB0866B5-88BA-4967-A18F-110D622146FD}"/>
+              </a:ext>
+            </a:extLst>
+          </p:cNvPr>
+          <p:cNvPicPr>
+            <a:picLocks noChangeAspect="1"/>
+          </p:cNvPicPr>
+          <p:nvPr/>
+        </p:nvPicPr>
+        <p:blipFill>
+          <a:blip r:embed="rId4">
+            <a:extLst>
+              <a:ext uri="{96DAC541-7B7A-43D3-8B79-37D633B846F1}">
+                <asvg:svgBlip xmlns:asvg="http://schemas.microsoft.com/office/drawing/2016/SVG/main" r:embed="rId5"/>
+              </a:ext>
+            </a:extLst>
+          </a:blip>
+          <a:stretch>
+            <a:fillRect/>
+          </a:stretch>
+        </p:blipFill>
+        <p:spPr>
+          <a:xfrm>
+            <a:off x="854330" y="975631"/>
+            <a:ext cx="332561" cy="332561"/>
+          </a:xfrm>
+          <a:prstGeom prst="rect">
+            <a:avLst/>
+          </a:prstGeom>
         </p:spPr>
       </p:pic>
     </p:spTree>
@@ -9059,10 +7463,10 @@
       </p:grpSp>
       <p:pic>
         <p:nvPicPr>
-          <p:cNvPr id="3074" name="Picture 2" descr="https://scontent-atl3-1.xx.fbcdn.net/v/t34.0-12/20117410_10213976755561043_547678059_n.png?oh=14270d76b7ae104c8e8f19cbc4202a99&amp;oe=596D0C0C">
+          <p:cNvPr id="2052" name="Picture 4" descr="https://scontent.xx.fbcdn.net/v/t34.0-12/20117711_10213980891024427_1258371104_n.png?oh=9995a0759ea30c0dd2ce132a3c502fb6&amp;oe=596DC66A">
             <a:extLst>
               <a:ext uri="{FF2B5EF4-FFF2-40B4-BE49-F238E27FC236}">
-                <a16:creationId xmlns:a16="http://schemas.microsoft.com/office/drawing/2014/main" id="{39F39437-4A99-402A-8456-E997A655CD02}"/>
+                <a16:creationId xmlns:a16="http://schemas.microsoft.com/office/drawing/2014/main" id="{C43213D5-99AD-40FD-B80C-C3C517774CF0}"/>
               </a:ext>
             </a:extLst>
           </p:cNvPr>
@@ -10138,1665 +8542,12 @@
           </a:p>
         </p:txBody>
       </p:sp>
-      <p:grpSp>
-        <p:nvGrpSpPr>
-          <p:cNvPr id="335" name="Shape 335"/>
-          <p:cNvGrpSpPr/>
-          <p:nvPr/>
-        </p:nvGrpSpPr>
-        <p:grpSpPr>
-          <a:xfrm>
-            <a:off x="889983" y="1007707"/>
-            <a:ext cx="270225" cy="238343"/>
-            <a:chOff x="5247525" y="3007275"/>
-            <a:chExt cx="517575" cy="456510"/>
-          </a:xfrm>
-        </p:grpSpPr>
-        <p:sp>
-          <p:nvSpPr>
-            <p:cNvPr id="336" name="Shape 336"/>
-            <p:cNvSpPr/>
-            <p:nvPr/>
-          </p:nvSpPr>
-          <p:spPr>
-            <a:xfrm>
-              <a:off x="5247525" y="3007275"/>
-              <a:ext cx="348900" cy="348900"/>
-            </a:xfrm>
-            <a:custGeom>
-              <a:avLst/>
-              <a:gdLst/>
-              <a:ahLst/>
-              <a:cxnLst/>
-              <a:rect l="0" t="0" r="0" b="0"/>
-              <a:pathLst>
-                <a:path w="13956" h="13956" fill="none" extrusionOk="0">
-                  <a:moveTo>
-                    <a:pt x="13323" y="5772"/>
-                  </a:moveTo>
-                  <a:lnTo>
-                    <a:pt x="11861" y="5626"/>
-                  </a:lnTo>
-                  <a:lnTo>
-                    <a:pt x="11861" y="5626"/>
-                  </a:lnTo>
-                  <a:lnTo>
-                    <a:pt x="11788" y="5334"/>
-                  </a:lnTo>
-                  <a:lnTo>
-                    <a:pt x="11667" y="5042"/>
-                  </a:lnTo>
-                  <a:lnTo>
-                    <a:pt x="11545" y="4750"/>
-                  </a:lnTo>
-                  <a:lnTo>
-                    <a:pt x="11399" y="4482"/>
-                  </a:lnTo>
-                  <a:lnTo>
-                    <a:pt x="12300" y="3337"/>
-                  </a:lnTo>
-                  <a:lnTo>
-                    <a:pt x="12300" y="3337"/>
-                  </a:lnTo>
-                  <a:lnTo>
-                    <a:pt x="12373" y="3240"/>
-                  </a:lnTo>
-                  <a:lnTo>
-                    <a:pt x="12422" y="3118"/>
-                  </a:lnTo>
-                  <a:lnTo>
-                    <a:pt x="12446" y="2996"/>
-                  </a:lnTo>
-                  <a:lnTo>
-                    <a:pt x="12446" y="2850"/>
-                  </a:lnTo>
-                  <a:lnTo>
-                    <a:pt x="12422" y="2728"/>
-                  </a:lnTo>
-                  <a:lnTo>
-                    <a:pt x="12397" y="2606"/>
-                  </a:lnTo>
-                  <a:lnTo>
-                    <a:pt x="12324" y="2485"/>
-                  </a:lnTo>
-                  <a:lnTo>
-                    <a:pt x="12251" y="2387"/>
-                  </a:lnTo>
-                  <a:lnTo>
-                    <a:pt x="11569" y="1705"/>
-                  </a:lnTo>
-                  <a:lnTo>
-                    <a:pt x="11569" y="1705"/>
-                  </a:lnTo>
-                  <a:lnTo>
-                    <a:pt x="11472" y="1632"/>
-                  </a:lnTo>
-                  <a:lnTo>
-                    <a:pt x="11350" y="1559"/>
-                  </a:lnTo>
-                  <a:lnTo>
-                    <a:pt x="11228" y="1510"/>
-                  </a:lnTo>
-                  <a:lnTo>
-                    <a:pt x="11106" y="1510"/>
-                  </a:lnTo>
-                  <a:lnTo>
-                    <a:pt x="10960" y="1510"/>
-                  </a:lnTo>
-                  <a:lnTo>
-                    <a:pt x="10838" y="1535"/>
-                  </a:lnTo>
-                  <a:lnTo>
-                    <a:pt x="10717" y="1583"/>
-                  </a:lnTo>
-                  <a:lnTo>
-                    <a:pt x="10619" y="1656"/>
-                  </a:lnTo>
-                  <a:lnTo>
-                    <a:pt x="9475" y="2558"/>
-                  </a:lnTo>
-                  <a:lnTo>
-                    <a:pt x="9475" y="2558"/>
-                  </a:lnTo>
-                  <a:lnTo>
-                    <a:pt x="9207" y="2411"/>
-                  </a:lnTo>
-                  <a:lnTo>
-                    <a:pt x="8914" y="2290"/>
-                  </a:lnTo>
-                  <a:lnTo>
-                    <a:pt x="8622" y="2168"/>
-                  </a:lnTo>
-                  <a:lnTo>
-                    <a:pt x="8330" y="2070"/>
-                  </a:lnTo>
-                  <a:lnTo>
-                    <a:pt x="8159" y="634"/>
-                  </a:lnTo>
-                  <a:lnTo>
-                    <a:pt x="8159" y="634"/>
-                  </a:lnTo>
-                  <a:lnTo>
-                    <a:pt x="8135" y="512"/>
-                  </a:lnTo>
-                  <a:lnTo>
-                    <a:pt x="8086" y="390"/>
-                  </a:lnTo>
-                  <a:lnTo>
-                    <a:pt x="8013" y="293"/>
-                  </a:lnTo>
-                  <a:lnTo>
-                    <a:pt x="7940" y="195"/>
-                  </a:lnTo>
-                  <a:lnTo>
-                    <a:pt x="7818" y="122"/>
-                  </a:lnTo>
-                  <a:lnTo>
-                    <a:pt x="7721" y="49"/>
-                  </a:lnTo>
-                  <a:lnTo>
-                    <a:pt x="7575" y="25"/>
-                  </a:lnTo>
-                  <a:lnTo>
-                    <a:pt x="7453" y="0"/>
-                  </a:lnTo>
-                  <a:lnTo>
-                    <a:pt x="6479" y="0"/>
-                  </a:lnTo>
-                  <a:lnTo>
-                    <a:pt x="6479" y="0"/>
-                  </a:lnTo>
-                  <a:lnTo>
-                    <a:pt x="6357" y="25"/>
-                  </a:lnTo>
-                  <a:lnTo>
-                    <a:pt x="6235" y="49"/>
-                  </a:lnTo>
-                  <a:lnTo>
-                    <a:pt x="6114" y="122"/>
-                  </a:lnTo>
-                  <a:lnTo>
-                    <a:pt x="6016" y="195"/>
-                  </a:lnTo>
-                  <a:lnTo>
-                    <a:pt x="5919" y="293"/>
-                  </a:lnTo>
-                  <a:lnTo>
-                    <a:pt x="5846" y="390"/>
-                  </a:lnTo>
-                  <a:lnTo>
-                    <a:pt x="5797" y="512"/>
-                  </a:lnTo>
-                  <a:lnTo>
-                    <a:pt x="5773" y="634"/>
-                  </a:lnTo>
-                  <a:lnTo>
-                    <a:pt x="5602" y="2070"/>
-                  </a:lnTo>
-                  <a:lnTo>
-                    <a:pt x="5602" y="2070"/>
-                  </a:lnTo>
-                  <a:lnTo>
-                    <a:pt x="5310" y="2168"/>
-                  </a:lnTo>
-                  <a:lnTo>
-                    <a:pt x="5018" y="2290"/>
-                  </a:lnTo>
-                  <a:lnTo>
-                    <a:pt x="4750" y="2411"/>
-                  </a:lnTo>
-                  <a:lnTo>
-                    <a:pt x="4482" y="2558"/>
-                  </a:lnTo>
-                  <a:lnTo>
-                    <a:pt x="3337" y="1656"/>
-                  </a:lnTo>
-                  <a:lnTo>
-                    <a:pt x="3337" y="1656"/>
-                  </a:lnTo>
-                  <a:lnTo>
-                    <a:pt x="3215" y="1583"/>
-                  </a:lnTo>
-                  <a:lnTo>
-                    <a:pt x="3094" y="1535"/>
-                  </a:lnTo>
-                  <a:lnTo>
-                    <a:pt x="2972" y="1510"/>
-                  </a:lnTo>
-                  <a:lnTo>
-                    <a:pt x="2850" y="1510"/>
-                  </a:lnTo>
-                  <a:lnTo>
-                    <a:pt x="2728" y="1510"/>
-                  </a:lnTo>
-                  <a:lnTo>
-                    <a:pt x="2582" y="1559"/>
-                  </a:lnTo>
-                  <a:lnTo>
-                    <a:pt x="2485" y="1632"/>
-                  </a:lnTo>
-                  <a:lnTo>
-                    <a:pt x="2387" y="1705"/>
-                  </a:lnTo>
-                  <a:lnTo>
-                    <a:pt x="1705" y="2387"/>
-                  </a:lnTo>
-                  <a:lnTo>
-                    <a:pt x="1705" y="2387"/>
-                  </a:lnTo>
-                  <a:lnTo>
-                    <a:pt x="1608" y="2485"/>
-                  </a:lnTo>
-                  <a:lnTo>
-                    <a:pt x="1559" y="2606"/>
-                  </a:lnTo>
-                  <a:lnTo>
-                    <a:pt x="1511" y="2728"/>
-                  </a:lnTo>
-                  <a:lnTo>
-                    <a:pt x="1486" y="2850"/>
-                  </a:lnTo>
-                  <a:lnTo>
-                    <a:pt x="1486" y="2996"/>
-                  </a:lnTo>
-                  <a:lnTo>
-                    <a:pt x="1511" y="3118"/>
-                  </a:lnTo>
-                  <a:lnTo>
-                    <a:pt x="1559" y="3240"/>
-                  </a:lnTo>
-                  <a:lnTo>
-                    <a:pt x="1632" y="3337"/>
-                  </a:lnTo>
-                  <a:lnTo>
-                    <a:pt x="2533" y="4482"/>
-                  </a:lnTo>
-                  <a:lnTo>
-                    <a:pt x="2533" y="4482"/>
-                  </a:lnTo>
-                  <a:lnTo>
-                    <a:pt x="2387" y="4750"/>
-                  </a:lnTo>
-                  <a:lnTo>
-                    <a:pt x="2266" y="5042"/>
-                  </a:lnTo>
-                  <a:lnTo>
-                    <a:pt x="2168" y="5334"/>
-                  </a:lnTo>
-                  <a:lnTo>
-                    <a:pt x="2071" y="5626"/>
-                  </a:lnTo>
-                  <a:lnTo>
-                    <a:pt x="634" y="5772"/>
-                  </a:lnTo>
-                  <a:lnTo>
-                    <a:pt x="634" y="5772"/>
-                  </a:lnTo>
-                  <a:lnTo>
-                    <a:pt x="512" y="5821"/>
-                  </a:lnTo>
-                  <a:lnTo>
-                    <a:pt x="390" y="5870"/>
-                  </a:lnTo>
-                  <a:lnTo>
-                    <a:pt x="268" y="5943"/>
-                  </a:lnTo>
-                  <a:lnTo>
-                    <a:pt x="171" y="6016"/>
-                  </a:lnTo>
-                  <a:lnTo>
-                    <a:pt x="98" y="6138"/>
-                  </a:lnTo>
-                  <a:lnTo>
-                    <a:pt x="49" y="6235"/>
-                  </a:lnTo>
-                  <a:lnTo>
-                    <a:pt x="1" y="6381"/>
-                  </a:lnTo>
-                  <a:lnTo>
-                    <a:pt x="1" y="6503"/>
-                  </a:lnTo>
-                  <a:lnTo>
-                    <a:pt x="1" y="7453"/>
-                  </a:lnTo>
-                  <a:lnTo>
-                    <a:pt x="1" y="7453"/>
-                  </a:lnTo>
-                  <a:lnTo>
-                    <a:pt x="1" y="7599"/>
-                  </a:lnTo>
-                  <a:lnTo>
-                    <a:pt x="49" y="7721"/>
-                  </a:lnTo>
-                  <a:lnTo>
-                    <a:pt x="98" y="7843"/>
-                  </a:lnTo>
-                  <a:lnTo>
-                    <a:pt x="171" y="7940"/>
-                  </a:lnTo>
-                  <a:lnTo>
-                    <a:pt x="268" y="8037"/>
-                  </a:lnTo>
-                  <a:lnTo>
-                    <a:pt x="390" y="8111"/>
-                  </a:lnTo>
-                  <a:lnTo>
-                    <a:pt x="512" y="8159"/>
-                  </a:lnTo>
-                  <a:lnTo>
-                    <a:pt x="634" y="8184"/>
-                  </a:lnTo>
-                  <a:lnTo>
-                    <a:pt x="2071" y="8354"/>
-                  </a:lnTo>
-                  <a:lnTo>
-                    <a:pt x="2071" y="8354"/>
-                  </a:lnTo>
-                  <a:lnTo>
-                    <a:pt x="2168" y="8646"/>
-                  </a:lnTo>
-                  <a:lnTo>
-                    <a:pt x="2266" y="8914"/>
-                  </a:lnTo>
-                  <a:lnTo>
-                    <a:pt x="2387" y="9206"/>
-                  </a:lnTo>
-                  <a:lnTo>
-                    <a:pt x="2533" y="9474"/>
-                  </a:lnTo>
-                  <a:lnTo>
-                    <a:pt x="1632" y="10619"/>
-                  </a:lnTo>
-                  <a:lnTo>
-                    <a:pt x="1632" y="10619"/>
-                  </a:lnTo>
-                  <a:lnTo>
-                    <a:pt x="1559" y="10741"/>
-                  </a:lnTo>
-                  <a:lnTo>
-                    <a:pt x="1511" y="10863"/>
-                  </a:lnTo>
-                  <a:lnTo>
-                    <a:pt x="1486" y="10984"/>
-                  </a:lnTo>
-                  <a:lnTo>
-                    <a:pt x="1486" y="11106"/>
-                  </a:lnTo>
-                  <a:lnTo>
-                    <a:pt x="1511" y="11228"/>
-                  </a:lnTo>
-                  <a:lnTo>
-                    <a:pt x="1559" y="11350"/>
-                  </a:lnTo>
-                  <a:lnTo>
-                    <a:pt x="1608" y="11472"/>
-                  </a:lnTo>
-                  <a:lnTo>
-                    <a:pt x="1705" y="11569"/>
-                  </a:lnTo>
-                  <a:lnTo>
-                    <a:pt x="2387" y="12251"/>
-                  </a:lnTo>
-                  <a:lnTo>
-                    <a:pt x="2387" y="12251"/>
-                  </a:lnTo>
-                  <a:lnTo>
-                    <a:pt x="2485" y="12348"/>
-                  </a:lnTo>
-                  <a:lnTo>
-                    <a:pt x="2582" y="12397"/>
-                  </a:lnTo>
-                  <a:lnTo>
-                    <a:pt x="2728" y="12446"/>
-                  </a:lnTo>
-                  <a:lnTo>
-                    <a:pt x="2850" y="12470"/>
-                  </a:lnTo>
-                  <a:lnTo>
-                    <a:pt x="2972" y="12470"/>
-                  </a:lnTo>
-                  <a:lnTo>
-                    <a:pt x="3094" y="12421"/>
-                  </a:lnTo>
-                  <a:lnTo>
-                    <a:pt x="3215" y="12373"/>
-                  </a:lnTo>
-                  <a:lnTo>
-                    <a:pt x="3337" y="12324"/>
-                  </a:lnTo>
-                  <a:lnTo>
-                    <a:pt x="4482" y="11423"/>
-                  </a:lnTo>
-                  <a:lnTo>
-                    <a:pt x="4482" y="11423"/>
-                  </a:lnTo>
-                  <a:lnTo>
-                    <a:pt x="4750" y="11545"/>
-                  </a:lnTo>
-                  <a:lnTo>
-                    <a:pt x="5018" y="11691"/>
-                  </a:lnTo>
-                  <a:lnTo>
-                    <a:pt x="5310" y="11788"/>
-                  </a:lnTo>
-                  <a:lnTo>
-                    <a:pt x="5602" y="11886"/>
-                  </a:lnTo>
-                  <a:lnTo>
-                    <a:pt x="5773" y="13322"/>
-                  </a:lnTo>
-                  <a:lnTo>
-                    <a:pt x="5773" y="13322"/>
-                  </a:lnTo>
-                  <a:lnTo>
-                    <a:pt x="5797" y="13444"/>
-                  </a:lnTo>
-                  <a:lnTo>
-                    <a:pt x="5846" y="13566"/>
-                  </a:lnTo>
-                  <a:lnTo>
-                    <a:pt x="5919" y="13688"/>
-                  </a:lnTo>
-                  <a:lnTo>
-                    <a:pt x="6016" y="13785"/>
-                  </a:lnTo>
-                  <a:lnTo>
-                    <a:pt x="6114" y="13858"/>
-                  </a:lnTo>
-                  <a:lnTo>
-                    <a:pt x="6235" y="13907"/>
-                  </a:lnTo>
-                  <a:lnTo>
-                    <a:pt x="6357" y="13956"/>
-                  </a:lnTo>
-                  <a:lnTo>
-                    <a:pt x="6479" y="13956"/>
-                  </a:lnTo>
-                  <a:lnTo>
-                    <a:pt x="7453" y="13956"/>
-                  </a:lnTo>
-                  <a:lnTo>
-                    <a:pt x="7453" y="13956"/>
-                  </a:lnTo>
-                  <a:lnTo>
-                    <a:pt x="7575" y="13956"/>
-                  </a:lnTo>
-                  <a:lnTo>
-                    <a:pt x="7721" y="13907"/>
-                  </a:lnTo>
-                  <a:lnTo>
-                    <a:pt x="7818" y="13858"/>
-                  </a:lnTo>
-                  <a:lnTo>
-                    <a:pt x="7940" y="13785"/>
-                  </a:lnTo>
-                  <a:lnTo>
-                    <a:pt x="8013" y="13688"/>
-                  </a:lnTo>
-                  <a:lnTo>
-                    <a:pt x="8086" y="13566"/>
-                  </a:lnTo>
-                  <a:lnTo>
-                    <a:pt x="8135" y="13444"/>
-                  </a:lnTo>
-                  <a:lnTo>
-                    <a:pt x="8159" y="13322"/>
-                  </a:lnTo>
-                  <a:lnTo>
-                    <a:pt x="8330" y="11886"/>
-                  </a:lnTo>
-                  <a:lnTo>
-                    <a:pt x="8330" y="11886"/>
-                  </a:lnTo>
-                  <a:lnTo>
-                    <a:pt x="8622" y="11788"/>
-                  </a:lnTo>
-                  <a:lnTo>
-                    <a:pt x="8914" y="11691"/>
-                  </a:lnTo>
-                  <a:lnTo>
-                    <a:pt x="9207" y="11545"/>
-                  </a:lnTo>
-                  <a:lnTo>
-                    <a:pt x="9475" y="11423"/>
-                  </a:lnTo>
-                  <a:lnTo>
-                    <a:pt x="10619" y="12324"/>
-                  </a:lnTo>
-                  <a:lnTo>
-                    <a:pt x="10619" y="12324"/>
-                  </a:lnTo>
-                  <a:lnTo>
-                    <a:pt x="10717" y="12373"/>
-                  </a:lnTo>
-                  <a:lnTo>
-                    <a:pt x="10838" y="12421"/>
-                  </a:lnTo>
-                  <a:lnTo>
-                    <a:pt x="10960" y="12470"/>
-                  </a:lnTo>
-                  <a:lnTo>
-                    <a:pt x="11106" y="12470"/>
-                  </a:lnTo>
-                  <a:lnTo>
-                    <a:pt x="11228" y="12446"/>
-                  </a:lnTo>
-                  <a:lnTo>
-                    <a:pt x="11350" y="12397"/>
-                  </a:lnTo>
-                  <a:lnTo>
-                    <a:pt x="11472" y="12348"/>
-                  </a:lnTo>
-                  <a:lnTo>
-                    <a:pt x="11569" y="12251"/>
-                  </a:lnTo>
-                  <a:lnTo>
-                    <a:pt x="12251" y="11569"/>
-                  </a:lnTo>
-                  <a:lnTo>
-                    <a:pt x="12251" y="11569"/>
-                  </a:lnTo>
-                  <a:lnTo>
-                    <a:pt x="12324" y="11472"/>
-                  </a:lnTo>
-                  <a:lnTo>
-                    <a:pt x="12397" y="11350"/>
-                  </a:lnTo>
-                  <a:lnTo>
-                    <a:pt x="12422" y="11228"/>
-                  </a:lnTo>
-                  <a:lnTo>
-                    <a:pt x="12446" y="11106"/>
-                  </a:lnTo>
-                  <a:lnTo>
-                    <a:pt x="12446" y="10984"/>
-                  </a:lnTo>
-                  <a:lnTo>
-                    <a:pt x="12422" y="10863"/>
-                  </a:lnTo>
-                  <a:lnTo>
-                    <a:pt x="12373" y="10741"/>
-                  </a:lnTo>
-                  <a:lnTo>
-                    <a:pt x="12300" y="10619"/>
-                  </a:lnTo>
-                  <a:lnTo>
-                    <a:pt x="11399" y="9474"/>
-                  </a:lnTo>
-                  <a:lnTo>
-                    <a:pt x="11399" y="9474"/>
-                  </a:lnTo>
-                  <a:lnTo>
-                    <a:pt x="11545" y="9206"/>
-                  </a:lnTo>
-                  <a:lnTo>
-                    <a:pt x="11667" y="8914"/>
-                  </a:lnTo>
-                  <a:lnTo>
-                    <a:pt x="11788" y="8646"/>
-                  </a:lnTo>
-                  <a:lnTo>
-                    <a:pt x="11861" y="8354"/>
-                  </a:lnTo>
-                  <a:lnTo>
-                    <a:pt x="13323" y="8184"/>
-                  </a:lnTo>
-                  <a:lnTo>
-                    <a:pt x="13323" y="8184"/>
-                  </a:lnTo>
-                  <a:lnTo>
-                    <a:pt x="13444" y="8159"/>
-                  </a:lnTo>
-                  <a:lnTo>
-                    <a:pt x="13566" y="8111"/>
-                  </a:lnTo>
-                  <a:lnTo>
-                    <a:pt x="13664" y="8037"/>
-                  </a:lnTo>
-                  <a:lnTo>
-                    <a:pt x="13761" y="7940"/>
-                  </a:lnTo>
-                  <a:lnTo>
-                    <a:pt x="13834" y="7843"/>
-                  </a:lnTo>
-                  <a:lnTo>
-                    <a:pt x="13907" y="7721"/>
-                  </a:lnTo>
-                  <a:lnTo>
-                    <a:pt x="13932" y="7599"/>
-                  </a:lnTo>
-                  <a:lnTo>
-                    <a:pt x="13956" y="7453"/>
-                  </a:lnTo>
-                  <a:lnTo>
-                    <a:pt x="13956" y="6503"/>
-                  </a:lnTo>
-                  <a:lnTo>
-                    <a:pt x="13956" y="6503"/>
-                  </a:lnTo>
-                  <a:lnTo>
-                    <a:pt x="13932" y="6381"/>
-                  </a:lnTo>
-                  <a:lnTo>
-                    <a:pt x="13907" y="6235"/>
-                  </a:lnTo>
-                  <a:lnTo>
-                    <a:pt x="13834" y="6138"/>
-                  </a:lnTo>
-                  <a:lnTo>
-                    <a:pt x="13761" y="6016"/>
-                  </a:lnTo>
-                  <a:lnTo>
-                    <a:pt x="13664" y="5943"/>
-                  </a:lnTo>
-                  <a:lnTo>
-                    <a:pt x="13566" y="5870"/>
-                  </a:lnTo>
-                  <a:lnTo>
-                    <a:pt x="13444" y="5821"/>
-                  </a:lnTo>
-                  <a:lnTo>
-                    <a:pt x="13323" y="5772"/>
-                  </a:lnTo>
-                  <a:lnTo>
-                    <a:pt x="13323" y="5772"/>
-                  </a:lnTo>
-                  <a:close/>
-                  <a:moveTo>
-                    <a:pt x="8573" y="8598"/>
-                  </a:moveTo>
-                  <a:lnTo>
-                    <a:pt x="8573" y="8598"/>
-                  </a:lnTo>
-                  <a:lnTo>
-                    <a:pt x="8403" y="8744"/>
-                  </a:lnTo>
-                  <a:lnTo>
-                    <a:pt x="8232" y="8890"/>
-                  </a:lnTo>
-                  <a:lnTo>
-                    <a:pt x="8038" y="8987"/>
-                  </a:lnTo>
-                  <a:lnTo>
-                    <a:pt x="7818" y="9085"/>
-                  </a:lnTo>
-                  <a:lnTo>
-                    <a:pt x="7624" y="9158"/>
-                  </a:lnTo>
-                  <a:lnTo>
-                    <a:pt x="7404" y="9206"/>
-                  </a:lnTo>
-                  <a:lnTo>
-                    <a:pt x="7185" y="9231"/>
-                  </a:lnTo>
-                  <a:lnTo>
-                    <a:pt x="6966" y="9255"/>
-                  </a:lnTo>
-                  <a:lnTo>
-                    <a:pt x="6747" y="9231"/>
-                  </a:lnTo>
-                  <a:lnTo>
-                    <a:pt x="6528" y="9206"/>
-                  </a:lnTo>
-                  <a:lnTo>
-                    <a:pt x="6333" y="9158"/>
-                  </a:lnTo>
-                  <a:lnTo>
-                    <a:pt x="6114" y="9085"/>
-                  </a:lnTo>
-                  <a:lnTo>
-                    <a:pt x="5919" y="8987"/>
-                  </a:lnTo>
-                  <a:lnTo>
-                    <a:pt x="5724" y="8890"/>
-                  </a:lnTo>
-                  <a:lnTo>
-                    <a:pt x="5529" y="8744"/>
-                  </a:lnTo>
-                  <a:lnTo>
-                    <a:pt x="5359" y="8598"/>
-                  </a:lnTo>
-                  <a:lnTo>
-                    <a:pt x="5359" y="8598"/>
-                  </a:lnTo>
-                  <a:lnTo>
-                    <a:pt x="5212" y="8427"/>
-                  </a:lnTo>
-                  <a:lnTo>
-                    <a:pt x="5066" y="8232"/>
-                  </a:lnTo>
-                  <a:lnTo>
-                    <a:pt x="4969" y="8037"/>
-                  </a:lnTo>
-                  <a:lnTo>
-                    <a:pt x="4871" y="7843"/>
-                  </a:lnTo>
-                  <a:lnTo>
-                    <a:pt x="4798" y="7623"/>
-                  </a:lnTo>
-                  <a:lnTo>
-                    <a:pt x="4750" y="7404"/>
-                  </a:lnTo>
-                  <a:lnTo>
-                    <a:pt x="4701" y="7209"/>
-                  </a:lnTo>
-                  <a:lnTo>
-                    <a:pt x="4701" y="6990"/>
-                  </a:lnTo>
-                  <a:lnTo>
-                    <a:pt x="4701" y="6771"/>
-                  </a:lnTo>
-                  <a:lnTo>
-                    <a:pt x="4750" y="6552"/>
-                  </a:lnTo>
-                  <a:lnTo>
-                    <a:pt x="4798" y="6333"/>
-                  </a:lnTo>
-                  <a:lnTo>
-                    <a:pt x="4871" y="6138"/>
-                  </a:lnTo>
-                  <a:lnTo>
-                    <a:pt x="4969" y="5919"/>
-                  </a:lnTo>
-                  <a:lnTo>
-                    <a:pt x="5066" y="5724"/>
-                  </a:lnTo>
-                  <a:lnTo>
-                    <a:pt x="5212" y="5553"/>
-                  </a:lnTo>
-                  <a:lnTo>
-                    <a:pt x="5359" y="5383"/>
-                  </a:lnTo>
-                  <a:lnTo>
-                    <a:pt x="5359" y="5383"/>
-                  </a:lnTo>
-                  <a:lnTo>
-                    <a:pt x="5529" y="5212"/>
-                  </a:lnTo>
-                  <a:lnTo>
-                    <a:pt x="5724" y="5091"/>
-                  </a:lnTo>
-                  <a:lnTo>
-                    <a:pt x="5919" y="4969"/>
-                  </a:lnTo>
-                  <a:lnTo>
-                    <a:pt x="6114" y="4871"/>
-                  </a:lnTo>
-                  <a:lnTo>
-                    <a:pt x="6333" y="4798"/>
-                  </a:lnTo>
-                  <a:lnTo>
-                    <a:pt x="6528" y="4750"/>
-                  </a:lnTo>
-                  <a:lnTo>
-                    <a:pt x="6747" y="4725"/>
-                  </a:lnTo>
-                  <a:lnTo>
-                    <a:pt x="6966" y="4701"/>
-                  </a:lnTo>
-                  <a:lnTo>
-                    <a:pt x="7185" y="4725"/>
-                  </a:lnTo>
-                  <a:lnTo>
-                    <a:pt x="7404" y="4750"/>
-                  </a:lnTo>
-                  <a:lnTo>
-                    <a:pt x="7624" y="4798"/>
-                  </a:lnTo>
-                  <a:lnTo>
-                    <a:pt x="7818" y="4871"/>
-                  </a:lnTo>
-                  <a:lnTo>
-                    <a:pt x="8038" y="4969"/>
-                  </a:lnTo>
-                  <a:lnTo>
-                    <a:pt x="8232" y="5091"/>
-                  </a:lnTo>
-                  <a:lnTo>
-                    <a:pt x="8403" y="5212"/>
-                  </a:lnTo>
-                  <a:lnTo>
-                    <a:pt x="8573" y="5383"/>
-                  </a:lnTo>
-                  <a:lnTo>
-                    <a:pt x="8573" y="5383"/>
-                  </a:lnTo>
-                  <a:lnTo>
-                    <a:pt x="8744" y="5553"/>
-                  </a:lnTo>
-                  <a:lnTo>
-                    <a:pt x="8866" y="5724"/>
-                  </a:lnTo>
-                  <a:lnTo>
-                    <a:pt x="8987" y="5919"/>
-                  </a:lnTo>
-                  <a:lnTo>
-                    <a:pt x="9085" y="6138"/>
-                  </a:lnTo>
-                  <a:lnTo>
-                    <a:pt x="9158" y="6333"/>
-                  </a:lnTo>
-                  <a:lnTo>
-                    <a:pt x="9207" y="6552"/>
-                  </a:lnTo>
-                  <a:lnTo>
-                    <a:pt x="9231" y="6771"/>
-                  </a:lnTo>
-                  <a:lnTo>
-                    <a:pt x="9231" y="6990"/>
-                  </a:lnTo>
-                  <a:lnTo>
-                    <a:pt x="9231" y="7209"/>
-                  </a:lnTo>
-                  <a:lnTo>
-                    <a:pt x="9207" y="7404"/>
-                  </a:lnTo>
-                  <a:lnTo>
-                    <a:pt x="9158" y="7623"/>
-                  </a:lnTo>
-                  <a:lnTo>
-                    <a:pt x="9085" y="7843"/>
-                  </a:lnTo>
-                  <a:lnTo>
-                    <a:pt x="8987" y="8037"/>
-                  </a:lnTo>
-                  <a:lnTo>
-                    <a:pt x="8866" y="8232"/>
-                  </a:lnTo>
-                  <a:lnTo>
-                    <a:pt x="8744" y="8427"/>
-                  </a:lnTo>
-                  <a:lnTo>
-                    <a:pt x="8573" y="8598"/>
-                  </a:lnTo>
-                  <a:lnTo>
-                    <a:pt x="8573" y="8598"/>
-                  </a:lnTo>
-                  <a:close/>
-                </a:path>
-              </a:pathLst>
-            </a:custGeom>
-            <a:noFill/>
-            <a:ln w="9525" cap="rnd" cmpd="sng">
-              <a:solidFill>
-                <a:schemeClr val="bg1"/>
-              </a:solidFill>
-              <a:prstDash val="solid"/>
-              <a:round/>
-              <a:headEnd type="none" w="med" len="med"/>
-              <a:tailEnd type="none" w="med" len="med"/>
-            </a:ln>
-          </p:spPr>
-          <p:txBody>
-            <a:bodyPr lIns="91425" tIns="91425" rIns="91425" bIns="91425" anchor="ctr" anchorCtr="0">
-              <a:noAutofit/>
-            </a:bodyPr>
-            <a:lstStyle/>
-            <a:p>
-              <a:pPr lvl="0">
-                <a:spcBef>
-                  <a:spcPts val="0"/>
-                </a:spcBef>
-                <a:buNone/>
-              </a:pPr>
-              <a:endParaRPr/>
-            </a:p>
-          </p:txBody>
-        </p:sp>
-        <p:sp>
-          <p:nvSpPr>
-            <p:cNvPr id="337" name="Shape 337"/>
-            <p:cNvSpPr/>
-            <p:nvPr/>
-          </p:nvSpPr>
-          <p:spPr>
-            <a:xfrm>
-              <a:off x="5566575" y="3265260"/>
-              <a:ext cx="198525" cy="198525"/>
-            </a:xfrm>
-            <a:custGeom>
-              <a:avLst/>
-              <a:gdLst/>
-              <a:ahLst/>
-              <a:cxnLst/>
-              <a:rect l="0" t="0" r="0" b="0"/>
-              <a:pathLst>
-                <a:path w="7941" h="7941" fill="none" extrusionOk="0">
-                  <a:moveTo>
-                    <a:pt x="7258" y="2144"/>
-                  </a:moveTo>
-                  <a:lnTo>
-                    <a:pt x="6138" y="2388"/>
-                  </a:lnTo>
-                  <a:lnTo>
-                    <a:pt x="6138" y="2388"/>
-                  </a:lnTo>
-                  <a:lnTo>
-                    <a:pt x="6016" y="2217"/>
-                  </a:lnTo>
-                  <a:lnTo>
-                    <a:pt x="5870" y="2071"/>
-                  </a:lnTo>
-                  <a:lnTo>
-                    <a:pt x="6260" y="975"/>
-                  </a:lnTo>
-                  <a:lnTo>
-                    <a:pt x="6260" y="975"/>
-                  </a:lnTo>
-                  <a:lnTo>
-                    <a:pt x="6284" y="902"/>
-                  </a:lnTo>
-                  <a:lnTo>
-                    <a:pt x="6284" y="829"/>
-                  </a:lnTo>
-                  <a:lnTo>
-                    <a:pt x="6260" y="683"/>
-                  </a:lnTo>
-                  <a:lnTo>
-                    <a:pt x="6162" y="561"/>
-                  </a:lnTo>
-                  <a:lnTo>
-                    <a:pt x="6114" y="488"/>
-                  </a:lnTo>
-                  <a:lnTo>
-                    <a:pt x="6065" y="464"/>
-                  </a:lnTo>
-                  <a:lnTo>
-                    <a:pt x="5553" y="196"/>
-                  </a:lnTo>
-                  <a:lnTo>
-                    <a:pt x="5553" y="196"/>
-                  </a:lnTo>
-                  <a:lnTo>
-                    <a:pt x="5480" y="171"/>
-                  </a:lnTo>
-                  <a:lnTo>
-                    <a:pt x="5407" y="171"/>
-                  </a:lnTo>
-                  <a:lnTo>
-                    <a:pt x="5261" y="171"/>
-                  </a:lnTo>
-                  <a:lnTo>
-                    <a:pt x="5115" y="244"/>
-                  </a:lnTo>
-                  <a:lnTo>
-                    <a:pt x="5066" y="293"/>
-                  </a:lnTo>
-                  <a:lnTo>
-                    <a:pt x="5018" y="342"/>
-                  </a:lnTo>
-                  <a:lnTo>
-                    <a:pt x="4384" y="1316"/>
-                  </a:lnTo>
-                  <a:lnTo>
-                    <a:pt x="4384" y="1316"/>
-                  </a:lnTo>
-                  <a:lnTo>
-                    <a:pt x="4165" y="1292"/>
-                  </a:lnTo>
-                  <a:lnTo>
-                    <a:pt x="3970" y="1292"/>
-                  </a:lnTo>
-                  <a:lnTo>
-                    <a:pt x="3483" y="244"/>
-                  </a:lnTo>
-                  <a:lnTo>
-                    <a:pt x="3483" y="244"/>
-                  </a:lnTo>
-                  <a:lnTo>
-                    <a:pt x="3435" y="171"/>
-                  </a:lnTo>
-                  <a:lnTo>
-                    <a:pt x="3386" y="123"/>
-                  </a:lnTo>
-                  <a:lnTo>
-                    <a:pt x="3264" y="50"/>
-                  </a:lnTo>
-                  <a:lnTo>
-                    <a:pt x="3118" y="1"/>
-                  </a:lnTo>
-                  <a:lnTo>
-                    <a:pt x="3045" y="1"/>
-                  </a:lnTo>
-                  <a:lnTo>
-                    <a:pt x="2972" y="25"/>
-                  </a:lnTo>
-                  <a:lnTo>
-                    <a:pt x="2436" y="196"/>
-                  </a:lnTo>
-                  <a:lnTo>
-                    <a:pt x="2436" y="196"/>
-                  </a:lnTo>
-                  <a:lnTo>
-                    <a:pt x="2363" y="220"/>
-                  </a:lnTo>
-                  <a:lnTo>
-                    <a:pt x="2290" y="269"/>
-                  </a:lnTo>
-                  <a:lnTo>
-                    <a:pt x="2192" y="391"/>
-                  </a:lnTo>
-                  <a:lnTo>
-                    <a:pt x="2144" y="537"/>
-                  </a:lnTo>
-                  <a:lnTo>
-                    <a:pt x="2144" y="610"/>
-                  </a:lnTo>
-                  <a:lnTo>
-                    <a:pt x="2144" y="683"/>
-                  </a:lnTo>
-                  <a:lnTo>
-                    <a:pt x="2387" y="1828"/>
-                  </a:lnTo>
-                  <a:lnTo>
-                    <a:pt x="2387" y="1828"/>
-                  </a:lnTo>
-                  <a:lnTo>
-                    <a:pt x="2217" y="1949"/>
-                  </a:lnTo>
-                  <a:lnTo>
-                    <a:pt x="2071" y="2095"/>
-                  </a:lnTo>
-                  <a:lnTo>
-                    <a:pt x="999" y="1681"/>
-                  </a:lnTo>
-                  <a:lnTo>
-                    <a:pt x="999" y="1681"/>
-                  </a:lnTo>
-                  <a:lnTo>
-                    <a:pt x="926" y="1681"/>
-                  </a:lnTo>
-                  <a:lnTo>
-                    <a:pt x="829" y="1657"/>
-                  </a:lnTo>
-                  <a:lnTo>
-                    <a:pt x="682" y="1706"/>
-                  </a:lnTo>
-                  <a:lnTo>
-                    <a:pt x="561" y="1779"/>
-                  </a:lnTo>
-                  <a:lnTo>
-                    <a:pt x="512" y="1828"/>
-                  </a:lnTo>
-                  <a:lnTo>
-                    <a:pt x="463" y="1901"/>
-                  </a:lnTo>
-                  <a:lnTo>
-                    <a:pt x="220" y="2388"/>
-                  </a:lnTo>
-                  <a:lnTo>
-                    <a:pt x="220" y="2388"/>
-                  </a:lnTo>
-                  <a:lnTo>
-                    <a:pt x="195" y="2461"/>
-                  </a:lnTo>
-                  <a:lnTo>
-                    <a:pt x="171" y="2534"/>
-                  </a:lnTo>
-                  <a:lnTo>
-                    <a:pt x="195" y="2704"/>
-                  </a:lnTo>
-                  <a:lnTo>
-                    <a:pt x="244" y="2826"/>
-                  </a:lnTo>
-                  <a:lnTo>
-                    <a:pt x="293" y="2899"/>
-                  </a:lnTo>
-                  <a:lnTo>
-                    <a:pt x="366" y="2948"/>
-                  </a:lnTo>
-                  <a:lnTo>
-                    <a:pt x="1340" y="3581"/>
-                  </a:lnTo>
-                  <a:lnTo>
-                    <a:pt x="1340" y="3581"/>
-                  </a:lnTo>
-                  <a:lnTo>
-                    <a:pt x="1316" y="3776"/>
-                  </a:lnTo>
-                  <a:lnTo>
-                    <a:pt x="1291" y="3995"/>
-                  </a:lnTo>
-                  <a:lnTo>
-                    <a:pt x="244" y="4482"/>
-                  </a:lnTo>
-                  <a:lnTo>
-                    <a:pt x="244" y="4482"/>
-                  </a:lnTo>
-                  <a:lnTo>
-                    <a:pt x="195" y="4507"/>
-                  </a:lnTo>
-                  <a:lnTo>
-                    <a:pt x="122" y="4555"/>
-                  </a:lnTo>
-                  <a:lnTo>
-                    <a:pt x="49" y="4701"/>
-                  </a:lnTo>
-                  <a:lnTo>
-                    <a:pt x="0" y="4848"/>
-                  </a:lnTo>
-                  <a:lnTo>
-                    <a:pt x="25" y="4921"/>
-                  </a:lnTo>
-                  <a:lnTo>
-                    <a:pt x="25" y="4994"/>
-                  </a:lnTo>
-                  <a:lnTo>
-                    <a:pt x="220" y="5530"/>
-                  </a:lnTo>
-                  <a:lnTo>
-                    <a:pt x="220" y="5530"/>
-                  </a:lnTo>
-                  <a:lnTo>
-                    <a:pt x="244" y="5578"/>
-                  </a:lnTo>
-                  <a:lnTo>
-                    <a:pt x="293" y="5651"/>
-                  </a:lnTo>
-                  <a:lnTo>
-                    <a:pt x="390" y="5749"/>
-                  </a:lnTo>
-                  <a:lnTo>
-                    <a:pt x="536" y="5797"/>
-                  </a:lnTo>
-                  <a:lnTo>
-                    <a:pt x="609" y="5797"/>
-                  </a:lnTo>
-                  <a:lnTo>
-                    <a:pt x="682" y="5797"/>
-                  </a:lnTo>
-                  <a:lnTo>
-                    <a:pt x="1827" y="5554"/>
-                  </a:lnTo>
-                  <a:lnTo>
-                    <a:pt x="1827" y="5554"/>
-                  </a:lnTo>
-                  <a:lnTo>
-                    <a:pt x="1949" y="5724"/>
-                  </a:lnTo>
-                  <a:lnTo>
-                    <a:pt x="2095" y="5870"/>
-                  </a:lnTo>
-                  <a:lnTo>
-                    <a:pt x="1705" y="6966"/>
-                  </a:lnTo>
-                  <a:lnTo>
-                    <a:pt x="1705" y="6966"/>
-                  </a:lnTo>
-                  <a:lnTo>
-                    <a:pt x="1681" y="7040"/>
-                  </a:lnTo>
-                  <a:lnTo>
-                    <a:pt x="1681" y="7113"/>
-                  </a:lnTo>
-                  <a:lnTo>
-                    <a:pt x="1705" y="7259"/>
-                  </a:lnTo>
-                  <a:lnTo>
-                    <a:pt x="1778" y="7380"/>
-                  </a:lnTo>
-                  <a:lnTo>
-                    <a:pt x="1851" y="7429"/>
-                  </a:lnTo>
-                  <a:lnTo>
-                    <a:pt x="1900" y="7478"/>
-                  </a:lnTo>
-                  <a:lnTo>
-                    <a:pt x="2412" y="7721"/>
-                  </a:lnTo>
-                  <a:lnTo>
-                    <a:pt x="2412" y="7721"/>
-                  </a:lnTo>
-                  <a:lnTo>
-                    <a:pt x="2485" y="7770"/>
-                  </a:lnTo>
-                  <a:lnTo>
-                    <a:pt x="2558" y="7770"/>
-                  </a:lnTo>
-                  <a:lnTo>
-                    <a:pt x="2704" y="7770"/>
-                  </a:lnTo>
-                  <a:lnTo>
-                    <a:pt x="2850" y="7697"/>
-                  </a:lnTo>
-                  <a:lnTo>
-                    <a:pt x="2899" y="7648"/>
-                  </a:lnTo>
-                  <a:lnTo>
-                    <a:pt x="2947" y="7600"/>
-                  </a:lnTo>
-                  <a:lnTo>
-                    <a:pt x="3581" y="6625"/>
-                  </a:lnTo>
-                  <a:lnTo>
-                    <a:pt x="3581" y="6625"/>
-                  </a:lnTo>
-                  <a:lnTo>
-                    <a:pt x="3800" y="6650"/>
-                  </a:lnTo>
-                  <a:lnTo>
-                    <a:pt x="3995" y="6650"/>
-                  </a:lnTo>
-                  <a:lnTo>
-                    <a:pt x="4482" y="7697"/>
-                  </a:lnTo>
-                  <a:lnTo>
-                    <a:pt x="4482" y="7697"/>
-                  </a:lnTo>
-                  <a:lnTo>
-                    <a:pt x="4531" y="7770"/>
-                  </a:lnTo>
-                  <a:lnTo>
-                    <a:pt x="4579" y="7819"/>
-                  </a:lnTo>
-                  <a:lnTo>
-                    <a:pt x="4701" y="7892"/>
-                  </a:lnTo>
-                  <a:lnTo>
-                    <a:pt x="4847" y="7941"/>
-                  </a:lnTo>
-                  <a:lnTo>
-                    <a:pt x="4920" y="7941"/>
-                  </a:lnTo>
-                  <a:lnTo>
-                    <a:pt x="4993" y="7916"/>
-                  </a:lnTo>
-                  <a:lnTo>
-                    <a:pt x="5529" y="7746"/>
-                  </a:lnTo>
-                  <a:lnTo>
-                    <a:pt x="5529" y="7746"/>
-                  </a:lnTo>
-                  <a:lnTo>
-                    <a:pt x="5602" y="7721"/>
-                  </a:lnTo>
-                  <a:lnTo>
-                    <a:pt x="5651" y="7673"/>
-                  </a:lnTo>
-                  <a:lnTo>
-                    <a:pt x="5748" y="7551"/>
-                  </a:lnTo>
-                  <a:lnTo>
-                    <a:pt x="5821" y="7405"/>
-                  </a:lnTo>
-                  <a:lnTo>
-                    <a:pt x="5821" y="7332"/>
-                  </a:lnTo>
-                  <a:lnTo>
-                    <a:pt x="5821" y="7259"/>
-                  </a:lnTo>
-                  <a:lnTo>
-                    <a:pt x="5578" y="6114"/>
-                  </a:lnTo>
-                  <a:lnTo>
-                    <a:pt x="5578" y="6114"/>
-                  </a:lnTo>
-                  <a:lnTo>
-                    <a:pt x="5724" y="5992"/>
-                  </a:lnTo>
-                  <a:lnTo>
-                    <a:pt x="5894" y="5846"/>
-                  </a:lnTo>
-                  <a:lnTo>
-                    <a:pt x="6966" y="6260"/>
-                  </a:lnTo>
-                  <a:lnTo>
-                    <a:pt x="6966" y="6260"/>
-                  </a:lnTo>
-                  <a:lnTo>
-                    <a:pt x="7039" y="6260"/>
-                  </a:lnTo>
-                  <a:lnTo>
-                    <a:pt x="7112" y="6285"/>
-                  </a:lnTo>
-                  <a:lnTo>
-                    <a:pt x="7258" y="6236"/>
-                  </a:lnTo>
-                  <a:lnTo>
-                    <a:pt x="7404" y="6163"/>
-                  </a:lnTo>
-                  <a:lnTo>
-                    <a:pt x="7453" y="6114"/>
-                  </a:lnTo>
-                  <a:lnTo>
-                    <a:pt x="7502" y="6041"/>
-                  </a:lnTo>
-                  <a:lnTo>
-                    <a:pt x="7745" y="5530"/>
-                  </a:lnTo>
-                  <a:lnTo>
-                    <a:pt x="7745" y="5530"/>
-                  </a:lnTo>
-                  <a:lnTo>
-                    <a:pt x="7770" y="5481"/>
-                  </a:lnTo>
-                  <a:lnTo>
-                    <a:pt x="7794" y="5383"/>
-                  </a:lnTo>
-                  <a:lnTo>
-                    <a:pt x="7770" y="5237"/>
-                  </a:lnTo>
-                  <a:lnTo>
-                    <a:pt x="7697" y="5115"/>
-                  </a:lnTo>
-                  <a:lnTo>
-                    <a:pt x="7648" y="5042"/>
-                  </a:lnTo>
-                  <a:lnTo>
-                    <a:pt x="7599" y="4994"/>
-                  </a:lnTo>
-                  <a:lnTo>
-                    <a:pt x="6625" y="4360"/>
-                  </a:lnTo>
-                  <a:lnTo>
-                    <a:pt x="6625" y="4360"/>
-                  </a:lnTo>
-                  <a:lnTo>
-                    <a:pt x="6649" y="4166"/>
-                  </a:lnTo>
-                  <a:lnTo>
-                    <a:pt x="6649" y="3946"/>
-                  </a:lnTo>
-                  <a:lnTo>
-                    <a:pt x="7697" y="3459"/>
-                  </a:lnTo>
-                  <a:lnTo>
-                    <a:pt x="7697" y="3459"/>
-                  </a:lnTo>
-                  <a:lnTo>
-                    <a:pt x="7770" y="3435"/>
-                  </a:lnTo>
-                  <a:lnTo>
-                    <a:pt x="7843" y="3386"/>
-                  </a:lnTo>
-                  <a:lnTo>
-                    <a:pt x="7916" y="3240"/>
-                  </a:lnTo>
-                  <a:lnTo>
-                    <a:pt x="7940" y="3094"/>
-                  </a:lnTo>
-                  <a:lnTo>
-                    <a:pt x="7940" y="3021"/>
-                  </a:lnTo>
-                  <a:lnTo>
-                    <a:pt x="7940" y="2948"/>
-                  </a:lnTo>
-                  <a:lnTo>
-                    <a:pt x="7745" y="2412"/>
-                  </a:lnTo>
-                  <a:lnTo>
-                    <a:pt x="7745" y="2412"/>
-                  </a:lnTo>
-                  <a:lnTo>
-                    <a:pt x="7721" y="2339"/>
-                  </a:lnTo>
-                  <a:lnTo>
-                    <a:pt x="7672" y="2290"/>
-                  </a:lnTo>
-                  <a:lnTo>
-                    <a:pt x="7551" y="2193"/>
-                  </a:lnTo>
-                  <a:lnTo>
-                    <a:pt x="7429" y="2144"/>
-                  </a:lnTo>
-                  <a:lnTo>
-                    <a:pt x="7356" y="2144"/>
-                  </a:lnTo>
-                  <a:lnTo>
-                    <a:pt x="7258" y="2144"/>
-                  </a:lnTo>
-                  <a:lnTo>
-                    <a:pt x="7258" y="2144"/>
-                  </a:lnTo>
-                  <a:close/>
-                  <a:moveTo>
-                    <a:pt x="5480" y="4726"/>
-                  </a:moveTo>
-                  <a:lnTo>
-                    <a:pt x="5480" y="4726"/>
-                  </a:lnTo>
-                  <a:lnTo>
-                    <a:pt x="5383" y="4872"/>
-                  </a:lnTo>
-                  <a:lnTo>
-                    <a:pt x="5286" y="4994"/>
-                  </a:lnTo>
-                  <a:lnTo>
-                    <a:pt x="5188" y="5140"/>
-                  </a:lnTo>
-                  <a:lnTo>
-                    <a:pt x="5066" y="5237"/>
-                  </a:lnTo>
-                  <a:lnTo>
-                    <a:pt x="4945" y="5335"/>
-                  </a:lnTo>
-                  <a:lnTo>
-                    <a:pt x="4798" y="5432"/>
-                  </a:lnTo>
-                  <a:lnTo>
-                    <a:pt x="4652" y="5505"/>
-                  </a:lnTo>
-                  <a:lnTo>
-                    <a:pt x="4506" y="5554"/>
-                  </a:lnTo>
-                  <a:lnTo>
-                    <a:pt x="4360" y="5603"/>
-                  </a:lnTo>
-                  <a:lnTo>
-                    <a:pt x="4190" y="5627"/>
-                  </a:lnTo>
-                  <a:lnTo>
-                    <a:pt x="4043" y="5651"/>
-                  </a:lnTo>
-                  <a:lnTo>
-                    <a:pt x="3873" y="5627"/>
-                  </a:lnTo>
-                  <a:lnTo>
-                    <a:pt x="3702" y="5627"/>
-                  </a:lnTo>
-                  <a:lnTo>
-                    <a:pt x="3556" y="5578"/>
-                  </a:lnTo>
-                  <a:lnTo>
-                    <a:pt x="3386" y="5530"/>
-                  </a:lnTo>
-                  <a:lnTo>
-                    <a:pt x="3240" y="5456"/>
-                  </a:lnTo>
-                  <a:lnTo>
-                    <a:pt x="3240" y="5456"/>
-                  </a:lnTo>
-                  <a:lnTo>
-                    <a:pt x="3094" y="5383"/>
-                  </a:lnTo>
-                  <a:lnTo>
-                    <a:pt x="2947" y="5286"/>
-                  </a:lnTo>
-                  <a:lnTo>
-                    <a:pt x="2826" y="5164"/>
-                  </a:lnTo>
-                  <a:lnTo>
-                    <a:pt x="2704" y="5067"/>
-                  </a:lnTo>
-                  <a:lnTo>
-                    <a:pt x="2606" y="4921"/>
-                  </a:lnTo>
-                  <a:lnTo>
-                    <a:pt x="2533" y="4799"/>
-                  </a:lnTo>
-                  <a:lnTo>
-                    <a:pt x="2460" y="4653"/>
-                  </a:lnTo>
-                  <a:lnTo>
-                    <a:pt x="2387" y="4507"/>
-                  </a:lnTo>
-                  <a:lnTo>
-                    <a:pt x="2363" y="4336"/>
-                  </a:lnTo>
-                  <a:lnTo>
-                    <a:pt x="2314" y="4190"/>
-                  </a:lnTo>
-                  <a:lnTo>
-                    <a:pt x="2314" y="4020"/>
-                  </a:lnTo>
-                  <a:lnTo>
-                    <a:pt x="2314" y="3873"/>
-                  </a:lnTo>
-                  <a:lnTo>
-                    <a:pt x="2339" y="3703"/>
-                  </a:lnTo>
-                  <a:lnTo>
-                    <a:pt x="2363" y="3532"/>
-                  </a:lnTo>
-                  <a:lnTo>
-                    <a:pt x="2412" y="3386"/>
-                  </a:lnTo>
-                  <a:lnTo>
-                    <a:pt x="2485" y="3216"/>
-                  </a:lnTo>
-                  <a:lnTo>
-                    <a:pt x="2485" y="3216"/>
-                  </a:lnTo>
-                  <a:lnTo>
-                    <a:pt x="2582" y="3070"/>
-                  </a:lnTo>
-                  <a:lnTo>
-                    <a:pt x="2680" y="2948"/>
-                  </a:lnTo>
-                  <a:lnTo>
-                    <a:pt x="2777" y="2802"/>
-                  </a:lnTo>
-                  <a:lnTo>
-                    <a:pt x="2899" y="2704"/>
-                  </a:lnTo>
-                  <a:lnTo>
-                    <a:pt x="3020" y="2607"/>
-                  </a:lnTo>
-                  <a:lnTo>
-                    <a:pt x="3167" y="2509"/>
-                  </a:lnTo>
-                  <a:lnTo>
-                    <a:pt x="3313" y="2436"/>
-                  </a:lnTo>
-                  <a:lnTo>
-                    <a:pt x="3459" y="2388"/>
-                  </a:lnTo>
-                  <a:lnTo>
-                    <a:pt x="3605" y="2339"/>
-                  </a:lnTo>
-                  <a:lnTo>
-                    <a:pt x="3775" y="2315"/>
-                  </a:lnTo>
-                  <a:lnTo>
-                    <a:pt x="3922" y="2290"/>
-                  </a:lnTo>
-                  <a:lnTo>
-                    <a:pt x="4092" y="2315"/>
-                  </a:lnTo>
-                  <a:lnTo>
-                    <a:pt x="4263" y="2315"/>
-                  </a:lnTo>
-                  <a:lnTo>
-                    <a:pt x="4409" y="2363"/>
-                  </a:lnTo>
-                  <a:lnTo>
-                    <a:pt x="4579" y="2412"/>
-                  </a:lnTo>
-                  <a:lnTo>
-                    <a:pt x="4725" y="2485"/>
-                  </a:lnTo>
-                  <a:lnTo>
-                    <a:pt x="4725" y="2485"/>
-                  </a:lnTo>
-                  <a:lnTo>
-                    <a:pt x="4871" y="2558"/>
-                  </a:lnTo>
-                  <a:lnTo>
-                    <a:pt x="5018" y="2656"/>
-                  </a:lnTo>
-                  <a:lnTo>
-                    <a:pt x="5139" y="2777"/>
-                  </a:lnTo>
-                  <a:lnTo>
-                    <a:pt x="5261" y="2875"/>
-                  </a:lnTo>
-                  <a:lnTo>
-                    <a:pt x="5359" y="3021"/>
-                  </a:lnTo>
-                  <a:lnTo>
-                    <a:pt x="5432" y="3143"/>
-                  </a:lnTo>
-                  <a:lnTo>
-                    <a:pt x="5505" y="3289"/>
-                  </a:lnTo>
-                  <a:lnTo>
-                    <a:pt x="5578" y="3435"/>
-                  </a:lnTo>
-                  <a:lnTo>
-                    <a:pt x="5602" y="3605"/>
-                  </a:lnTo>
-                  <a:lnTo>
-                    <a:pt x="5626" y="3752"/>
-                  </a:lnTo>
-                  <a:lnTo>
-                    <a:pt x="5651" y="3922"/>
-                  </a:lnTo>
-                  <a:lnTo>
-                    <a:pt x="5651" y="4068"/>
-                  </a:lnTo>
-                  <a:lnTo>
-                    <a:pt x="5626" y="4239"/>
-                  </a:lnTo>
-                  <a:lnTo>
-                    <a:pt x="5602" y="4409"/>
-                  </a:lnTo>
-                  <a:lnTo>
-                    <a:pt x="5553" y="4555"/>
-                  </a:lnTo>
-                  <a:lnTo>
-                    <a:pt x="5480" y="4726"/>
-                  </a:lnTo>
-                  <a:lnTo>
-                    <a:pt x="5480" y="4726"/>
-                  </a:lnTo>
-                  <a:close/>
-                </a:path>
-              </a:pathLst>
-            </a:custGeom>
-            <a:noFill/>
-            <a:ln w="9525" cap="rnd" cmpd="sng">
-              <a:solidFill>
-                <a:schemeClr val="bg1"/>
-              </a:solidFill>
-              <a:prstDash val="solid"/>
-              <a:round/>
-              <a:headEnd type="none" w="med" len="med"/>
-              <a:tailEnd type="none" w="med" len="med"/>
-            </a:ln>
-          </p:spPr>
-          <p:txBody>
-            <a:bodyPr lIns="91425" tIns="91425" rIns="91425" bIns="91425" anchor="ctr" anchorCtr="0">
-              <a:noAutofit/>
-            </a:bodyPr>
-            <a:lstStyle/>
-            <a:p>
-              <a:pPr lvl="0">
-                <a:spcBef>
-                  <a:spcPts val="0"/>
-                </a:spcBef>
-                <a:buNone/>
-              </a:pPr>
-              <a:endParaRPr/>
-            </a:p>
-          </p:txBody>
-        </p:sp>
-      </p:grpSp>
       <p:pic>
         <p:nvPicPr>
-          <p:cNvPr id="4100" name="Picture 4" descr="https://scontent-atl3-1.xx.fbcdn.net/v/t34.0-12/20117488_10213977073328987_58116211_n.png?oh=ce42353ec45dca54e35724864a8a254a&amp;oe=596D3191">
+          <p:cNvPr id="3074" name="Picture 2" descr="https://scontent.xx.fbcdn.net/v/t34.0-12/20117556_10213980890104404_1196022730_n.png?oh=47fae58d09ded1d2a6a7f5a3df91df31&amp;oe=596D6AB6">
             <a:extLst>
               <a:ext uri="{FF2B5EF4-FFF2-40B4-BE49-F238E27FC236}">
-                <a16:creationId xmlns:a16="http://schemas.microsoft.com/office/drawing/2014/main" id="{182DB356-14FD-42AE-B970-51B149061DAB}"/>
+                <a16:creationId xmlns:a16="http://schemas.microsoft.com/office/drawing/2014/main" id="{0E21BAB2-63AD-45CD-AEC3-389FB08F250A}"/>
               </a:ext>
             </a:extLst>
           </p:cNvPr>
@@ -11836,6 +8587,42 @@
               </a14:hiddenFill>
             </a:ext>
           </a:extLst>
+        </p:spPr>
+      </p:pic>
+      <p:pic>
+        <p:nvPicPr>
+          <p:cNvPr id="3" name="Graphic 2" descr="Thought bubble">
+            <a:extLst>
+              <a:ext uri="{FF2B5EF4-FFF2-40B4-BE49-F238E27FC236}">
+                <a16:creationId xmlns:a16="http://schemas.microsoft.com/office/drawing/2014/main" id="{E3773357-80E4-4984-89AD-6854404AE455}"/>
+              </a:ext>
+            </a:extLst>
+          </p:cNvPr>
+          <p:cNvPicPr>
+            <a:picLocks noChangeAspect="1"/>
+          </p:cNvPicPr>
+          <p:nvPr/>
+        </p:nvPicPr>
+        <p:blipFill>
+          <a:blip r:embed="rId4">
+            <a:extLst>
+              <a:ext uri="{96DAC541-7B7A-43D3-8B79-37D633B846F1}">
+                <asvg:svgBlip xmlns:asvg="http://schemas.microsoft.com/office/drawing/2016/SVG/main" r:embed="rId5"/>
+              </a:ext>
+            </a:extLst>
+          </a:blip>
+          <a:stretch>
+            <a:fillRect/>
+          </a:stretch>
+        </p:blipFill>
+        <p:spPr>
+          <a:xfrm>
+            <a:off x="880264" y="992765"/>
+            <a:ext cx="295404" cy="295404"/>
+          </a:xfrm>
+          <a:prstGeom prst="rect">
+            <a:avLst/>
+          </a:prstGeom>
         </p:spPr>
       </p:pic>
     </p:spTree>
@@ -11989,6 +8776,32 @@
           </a:p>
         </p:txBody>
       </p:sp>
+      <p:cxnSp>
+        <p:nvCxnSpPr>
+          <p:cNvPr id="378" name="Shape 378"/>
+          <p:cNvCxnSpPr/>
+          <p:nvPr/>
+        </p:nvCxnSpPr>
+        <p:spPr>
+          <a:xfrm>
+            <a:off x="5589800" y="1428750"/>
+            <a:ext cx="3554100" cy="0"/>
+          </a:xfrm>
+          <a:prstGeom prst="straightConnector1">
+            <a:avLst/>
+          </a:prstGeom>
+          <a:noFill/>
+          <a:ln w="9525" cap="flat" cmpd="sng">
+            <a:solidFill>
+              <a:srgbClr val="CCCCCC"/>
+            </a:solidFill>
+            <a:prstDash val="solid"/>
+            <a:round/>
+            <a:headEnd type="none" w="lg" len="lg"/>
+            <a:tailEnd type="none" w="lg" len="lg"/>
+          </a:ln>
+        </p:spPr>
+      </p:cxnSp>
       <p:sp>
         <p:nvSpPr>
           <p:cNvPr id="377" name="Shape 377"/>
@@ -12037,32 +8850,6 @@
           <a:xfrm>
             <a:off x="6450" y="1428750"/>
             <a:ext cx="2397299" cy="0"/>
-          </a:xfrm>
-          <a:prstGeom prst="straightConnector1">
-            <a:avLst/>
-          </a:prstGeom>
-          <a:noFill/>
-          <a:ln w="9525" cap="flat" cmpd="sng">
-            <a:solidFill>
-              <a:srgbClr val="CCCCCC"/>
-            </a:solidFill>
-            <a:prstDash val="solid"/>
-            <a:round/>
-            <a:headEnd type="none" w="lg" len="lg"/>
-            <a:tailEnd type="none" w="lg" len="lg"/>
-          </a:ln>
-        </p:spPr>
-      </p:cxnSp>
-      <p:cxnSp>
-        <p:nvCxnSpPr>
-          <p:cNvPr id="378" name="Shape 378"/>
-          <p:cNvCxnSpPr/>
-          <p:nvPr/>
-        </p:nvCxnSpPr>
-        <p:spPr>
-          <a:xfrm>
-            <a:off x="5589800" y="1428750"/>
-            <a:ext cx="3554100" cy="0"/>
           </a:xfrm>
           <a:prstGeom prst="straightConnector1">
             <a:avLst/>
